--- a/01需求分析/docs/specs/00APU设计构想书-VAD01-20180126.pptx
+++ b/01需求分析/docs/specs/00APU设计构想书-VAD01-20180126.pptx
@@ -5,10 +5,10 @@
     <p:sldMasterId id="2147483660" r:id="rId1"/>
   </p:sldMasterIdLst>
   <p:notesMasterIdLst>
-    <p:notesMasterId r:id="rId23"/>
+    <p:notesMasterId r:id="rId24"/>
   </p:notesMasterIdLst>
   <p:handoutMasterIdLst>
-    <p:handoutMasterId r:id="rId24"/>
+    <p:handoutMasterId r:id="rId25"/>
   </p:handoutMasterIdLst>
   <p:sldIdLst>
     <p:sldId id="334" r:id="rId2"/>
@@ -28,10 +28,11 @@
     <p:sldId id="362" r:id="rId16"/>
     <p:sldId id="378" r:id="rId17"/>
     <p:sldId id="361" r:id="rId18"/>
-    <p:sldId id="360" r:id="rId19"/>
-    <p:sldId id="359" r:id="rId20"/>
-    <p:sldId id="346" r:id="rId21"/>
-    <p:sldId id="343" r:id="rId22"/>
+    <p:sldId id="379" r:id="rId19"/>
+    <p:sldId id="360" r:id="rId20"/>
+    <p:sldId id="359" r:id="rId21"/>
+    <p:sldId id="346" r:id="rId22"/>
+    <p:sldId id="343" r:id="rId23"/>
   </p:sldIdLst>
   <p:sldSz cx="9144000" cy="6858000" type="screen4x3"/>
   <p:notesSz cx="7104063" cy="10234613"/>
@@ -10725,11 +10726,7 @@
             </a:r>
             <a:r>
               <a:rPr lang="zh-CN" altLang="en-US" sz="1400" dirty="0" smtClean="0"/>
-              <a:t>发出的</a:t>
-            </a:r>
-            <a:r>
-              <a:rPr lang="zh-CN" altLang="en-US" sz="1400" dirty="0" smtClean="0"/>
-              <a:t>方向盘转角信号、</a:t>
+              <a:t>发出的方向盘转角信号、</a:t>
             </a:r>
             <a:r>
               <a:rPr lang="en-US" altLang="zh-CN" sz="1400" dirty="0" smtClean="0"/>
@@ -13258,11 +13255,7 @@
             </a:r>
             <a:r>
               <a:rPr lang="zh-CN" altLang="en-US" sz="1400" dirty="0" smtClean="0"/>
-              <a:t>发出的驾驶员干预</a:t>
-            </a:r>
-            <a:r>
-              <a:rPr lang="zh-CN" altLang="en-US" sz="1400" dirty="0" smtClean="0"/>
-              <a:t>信号、</a:t>
+              <a:t>发出的驾驶员干预信号、</a:t>
             </a:r>
             <a:r>
               <a:rPr lang="en-US" altLang="zh-CN" sz="1400" dirty="0" smtClean="0"/>
@@ -16756,15 +16749,6 @@
                         </a:rPr>
                         <a:t>2</a:t>
                       </a:r>
-                      <a:endParaRPr lang="en-US" altLang="zh-CN" sz="900" kern="1200" dirty="0" smtClean="0">
-                        <a:solidFill>
-                          <a:schemeClr val="dk1"/>
-                        </a:solidFill>
-                        <a:effectLst/>
-                        <a:latin typeface="+mn-lt"/>
-                        <a:ea typeface="+mn-ea"/>
-                        <a:cs typeface="+mn-cs"/>
-                      </a:endParaRPr>
                     </a:p>
                   </a:txBody>
                   <a:tcPr/>
@@ -16959,15 +16943,6 @@
                         </a:rPr>
                         <a:t>5</a:t>
                       </a:r>
-                      <a:endParaRPr lang="en-US" altLang="zh-CN" sz="900" kern="1200" dirty="0" smtClean="0">
-                        <a:solidFill>
-                          <a:schemeClr val="dk1"/>
-                        </a:solidFill>
-                        <a:effectLst/>
-                        <a:latin typeface="+mn-lt"/>
-                        <a:ea typeface="+mn-ea"/>
-                        <a:cs typeface="+mn-cs"/>
-                      </a:endParaRPr>
                     </a:p>
                   </a:txBody>
                   <a:tcPr/>
@@ -17162,15 +17137,6 @@
                         </a:rPr>
                         <a:t>8</a:t>
                       </a:r>
-                      <a:endParaRPr lang="en-US" altLang="zh-CN" sz="900" kern="1200" dirty="0" smtClean="0">
-                        <a:solidFill>
-                          <a:schemeClr val="dk1"/>
-                        </a:solidFill>
-                        <a:effectLst/>
-                        <a:latin typeface="+mn-lt"/>
-                        <a:ea typeface="+mn-ea"/>
-                        <a:cs typeface="+mn-cs"/>
-                      </a:endParaRPr>
                     </a:p>
                   </a:txBody>
                   <a:tcPr/>
@@ -19141,6 +19107,302 @@
           </a:p>
         </p:txBody>
       </p:sp>
+      <p:sp>
+        <p:nvSpPr>
+          <p:cNvPr id="2" name="椭圆 1"/>
+          <p:cNvSpPr/>
+          <p:nvPr/>
+        </p:nvSpPr>
+        <p:spPr>
+          <a:xfrm>
+            <a:off x="2591780" y="1481449"/>
+            <a:ext cx="1224136" cy="936104"/>
+          </a:xfrm>
+          <a:prstGeom prst="ellipse">
+            <a:avLst/>
+          </a:prstGeom>
+          <a:gradFill flip="none" rotWithShape="1">
+            <a:gsLst>
+              <a:gs pos="0">
+                <a:srgbClr val="FFFF00">
+                  <a:tint val="66000"/>
+                  <a:satMod val="160000"/>
+                </a:srgbClr>
+              </a:gs>
+              <a:gs pos="50000">
+                <a:srgbClr val="FFFF00">
+                  <a:tint val="44500"/>
+                  <a:satMod val="160000"/>
+                </a:srgbClr>
+              </a:gs>
+              <a:gs pos="100000">
+                <a:srgbClr val="FFFF00">
+                  <a:tint val="23500"/>
+                  <a:satMod val="160000"/>
+                </a:srgbClr>
+              </a:gs>
+            </a:gsLst>
+            <a:lin ang="10800000" scaled="1"/>
+            <a:tileRect/>
+          </a:gradFill>
+        </p:spPr>
+        <p:style>
+          <a:lnRef idx="2">
+            <a:schemeClr val="accent1">
+              <a:shade val="50000"/>
+            </a:schemeClr>
+          </a:lnRef>
+          <a:fillRef idx="1">
+            <a:schemeClr val="accent1"/>
+          </a:fillRef>
+          <a:effectRef idx="0">
+            <a:schemeClr val="accent1"/>
+          </a:effectRef>
+          <a:fontRef idx="minor">
+            <a:schemeClr val="lt1"/>
+          </a:fontRef>
+        </p:style>
+        <p:txBody>
+          <a:bodyPr rtlCol="0" anchor="ctr"/>
+          <a:lstStyle/>
+          <a:p>
+            <a:pPr algn="ctr"/>
+            <a:r>
+              <a:rPr lang="en-US" altLang="zh-CN" dirty="0">
+                <a:solidFill>
+                  <a:schemeClr val="tx1"/>
+                </a:solidFill>
+              </a:rPr>
+              <a:t>O</a:t>
+            </a:r>
+            <a:r>
+              <a:rPr lang="en-US" altLang="zh-CN" dirty="0" smtClean="0">
+                <a:solidFill>
+                  <a:schemeClr val="tx1"/>
+                </a:solidFill>
+              </a:rPr>
+              <a:t>ff</a:t>
+            </a:r>
+            <a:endParaRPr lang="zh-CN" altLang="en-US" dirty="0"/>
+          </a:p>
+        </p:txBody>
+      </p:sp>
+      <p:sp>
+        <p:nvSpPr>
+          <p:cNvPr id="12" name="椭圆 11"/>
+          <p:cNvSpPr/>
+          <p:nvPr/>
+        </p:nvSpPr>
+        <p:spPr>
+          <a:xfrm>
+            <a:off x="2591780" y="2996952"/>
+            <a:ext cx="1224136" cy="936104"/>
+          </a:xfrm>
+          <a:prstGeom prst="ellipse">
+            <a:avLst/>
+          </a:prstGeom>
+          <a:gradFill flip="none" rotWithShape="1">
+            <a:gsLst>
+              <a:gs pos="0">
+                <a:srgbClr val="FFFF00">
+                  <a:tint val="66000"/>
+                  <a:satMod val="160000"/>
+                </a:srgbClr>
+              </a:gs>
+              <a:gs pos="50000">
+                <a:srgbClr val="FFFF00">
+                  <a:tint val="44500"/>
+                  <a:satMod val="160000"/>
+                </a:srgbClr>
+              </a:gs>
+              <a:gs pos="100000">
+                <a:srgbClr val="FFFF00">
+                  <a:tint val="23500"/>
+                  <a:satMod val="160000"/>
+                </a:srgbClr>
+              </a:gs>
+            </a:gsLst>
+            <a:lin ang="10800000" scaled="1"/>
+            <a:tileRect/>
+          </a:gradFill>
+        </p:spPr>
+        <p:style>
+          <a:lnRef idx="2">
+            <a:schemeClr val="accent1">
+              <a:shade val="50000"/>
+            </a:schemeClr>
+          </a:lnRef>
+          <a:fillRef idx="1">
+            <a:schemeClr val="accent1"/>
+          </a:fillRef>
+          <a:effectRef idx="0">
+            <a:schemeClr val="accent1"/>
+          </a:effectRef>
+          <a:fontRef idx="minor">
+            <a:schemeClr val="lt1"/>
+          </a:fontRef>
+        </p:style>
+        <p:txBody>
+          <a:bodyPr rtlCol="0" anchor="ctr"/>
+          <a:lstStyle/>
+          <a:p>
+            <a:pPr algn="ctr"/>
+            <a:r>
+              <a:rPr lang="en-US" altLang="zh-CN" dirty="0" smtClean="0">
+                <a:solidFill>
+                  <a:schemeClr val="tx1"/>
+                </a:solidFill>
+              </a:rPr>
+              <a:t>Disable</a:t>
+            </a:r>
+            <a:endParaRPr lang="zh-CN" altLang="en-US" dirty="0"/>
+          </a:p>
+        </p:txBody>
+      </p:sp>
+      <p:sp>
+        <p:nvSpPr>
+          <p:cNvPr id="15" name="椭圆 14"/>
+          <p:cNvSpPr/>
+          <p:nvPr/>
+        </p:nvSpPr>
+        <p:spPr>
+          <a:xfrm>
+            <a:off x="4127895" y="4809101"/>
+            <a:ext cx="1224136" cy="936104"/>
+          </a:xfrm>
+          <a:prstGeom prst="ellipse">
+            <a:avLst/>
+          </a:prstGeom>
+          <a:gradFill flip="none" rotWithShape="1">
+            <a:gsLst>
+              <a:gs pos="0">
+                <a:srgbClr val="FFFF00">
+                  <a:tint val="66000"/>
+                  <a:satMod val="160000"/>
+                </a:srgbClr>
+              </a:gs>
+              <a:gs pos="50000">
+                <a:srgbClr val="FFFF00">
+                  <a:tint val="44500"/>
+                  <a:satMod val="160000"/>
+                </a:srgbClr>
+              </a:gs>
+              <a:gs pos="100000">
+                <a:srgbClr val="FFFF00">
+                  <a:tint val="23500"/>
+                  <a:satMod val="160000"/>
+                </a:srgbClr>
+              </a:gs>
+            </a:gsLst>
+            <a:lin ang="10800000" scaled="1"/>
+            <a:tileRect/>
+          </a:gradFill>
+        </p:spPr>
+        <p:style>
+          <a:lnRef idx="2">
+            <a:schemeClr val="accent1">
+              <a:shade val="50000"/>
+            </a:schemeClr>
+          </a:lnRef>
+          <a:fillRef idx="1">
+            <a:schemeClr val="accent1"/>
+          </a:fillRef>
+          <a:effectRef idx="0">
+            <a:schemeClr val="accent1"/>
+          </a:effectRef>
+          <a:fontRef idx="minor">
+            <a:schemeClr val="lt1"/>
+          </a:fontRef>
+        </p:style>
+        <p:txBody>
+          <a:bodyPr rtlCol="0" anchor="ctr"/>
+          <a:lstStyle/>
+          <a:p>
+            <a:pPr algn="ctr"/>
+            <a:r>
+              <a:rPr lang="en-US" altLang="zh-CN" dirty="0" smtClean="0">
+                <a:solidFill>
+                  <a:schemeClr val="tx1"/>
+                </a:solidFill>
+              </a:rPr>
+              <a:t>Active</a:t>
+            </a:r>
+            <a:endParaRPr lang="zh-CN" altLang="en-US" dirty="0"/>
+          </a:p>
+        </p:txBody>
+      </p:sp>
+      <p:sp>
+        <p:nvSpPr>
+          <p:cNvPr id="17" name="椭圆 16"/>
+          <p:cNvSpPr/>
+          <p:nvPr/>
+        </p:nvSpPr>
+        <p:spPr>
+          <a:xfrm>
+            <a:off x="5796136" y="3017227"/>
+            <a:ext cx="1224136" cy="936104"/>
+          </a:xfrm>
+          <a:prstGeom prst="ellipse">
+            <a:avLst/>
+          </a:prstGeom>
+          <a:gradFill flip="none" rotWithShape="1">
+            <a:gsLst>
+              <a:gs pos="0">
+                <a:srgbClr val="FFFF00">
+                  <a:tint val="66000"/>
+                  <a:satMod val="160000"/>
+                </a:srgbClr>
+              </a:gs>
+              <a:gs pos="50000">
+                <a:srgbClr val="FFFF00">
+                  <a:tint val="44500"/>
+                  <a:satMod val="160000"/>
+                </a:srgbClr>
+              </a:gs>
+              <a:gs pos="100000">
+                <a:srgbClr val="FFFF00">
+                  <a:tint val="23500"/>
+                  <a:satMod val="160000"/>
+                </a:srgbClr>
+              </a:gs>
+            </a:gsLst>
+            <a:lin ang="10800000" scaled="1"/>
+            <a:tileRect/>
+          </a:gradFill>
+        </p:spPr>
+        <p:style>
+          <a:lnRef idx="2">
+            <a:schemeClr val="accent1">
+              <a:shade val="50000"/>
+            </a:schemeClr>
+          </a:lnRef>
+          <a:fillRef idx="1">
+            <a:schemeClr val="accent1"/>
+          </a:fillRef>
+          <a:effectRef idx="0">
+            <a:schemeClr val="accent1"/>
+          </a:effectRef>
+          <a:fontRef idx="minor">
+            <a:schemeClr val="lt1"/>
+          </a:fontRef>
+        </p:style>
+        <p:txBody>
+          <a:bodyPr rtlCol="0" anchor="ctr"/>
+          <a:lstStyle/>
+          <a:p>
+            <a:pPr algn="ctr"/>
+            <a:r>
+              <a:rPr lang="en-US" altLang="zh-CN" dirty="0" smtClean="0">
+                <a:solidFill>
+                  <a:schemeClr val="tx1"/>
+                </a:solidFill>
+              </a:rPr>
+              <a:t>Enable</a:t>
+            </a:r>
+            <a:endParaRPr lang="zh-CN" altLang="en-US" dirty="0"/>
+          </a:p>
+        </p:txBody>
+      </p:sp>
     </p:spTree>
     <p:extLst>
       <p:ext uri="{BB962C8B-B14F-4D97-AF65-F5344CB8AC3E}">
@@ -19162,6 +19424,1079 @@
 </file>
 
 <file path=ppt/slides/slide18.xml><?xml version="1.0" encoding="utf-8"?>
+<p:sld xmlns:a="http://schemas.openxmlformats.org/drawingml/2006/main" xmlns:r="http://schemas.openxmlformats.org/officeDocument/2006/relationships" xmlns:p="http://schemas.openxmlformats.org/presentationml/2006/main">
+  <p:cSld>
+    <p:spTree>
+      <p:nvGrpSpPr>
+        <p:cNvPr id="1" name=""/>
+        <p:cNvGrpSpPr/>
+        <p:nvPr/>
+      </p:nvGrpSpPr>
+      <p:grpSpPr>
+        <a:xfrm>
+          <a:off x="0" y="0"/>
+          <a:ext cx="0" cy="0"/>
+          <a:chOff x="0" y="0"/>
+          <a:chExt cx="0" cy="0"/>
+        </a:xfrm>
+      </p:grpSpPr>
+      <p:sp>
+        <p:nvSpPr>
+          <p:cNvPr id="5" name="五边形 4"/>
+          <p:cNvSpPr/>
+          <p:nvPr/>
+        </p:nvSpPr>
+        <p:spPr>
+          <a:xfrm>
+            <a:off x="107504" y="80672"/>
+            <a:ext cx="1608290" cy="396000"/>
+          </a:xfrm>
+          <a:prstGeom prst="homePlate">
+            <a:avLst/>
+          </a:prstGeom>
+          <a:solidFill>
+            <a:schemeClr val="tx2">
+              <a:lumMod val="20000"/>
+              <a:lumOff val="80000"/>
+            </a:schemeClr>
+          </a:solidFill>
+          <a:ln w="12700" cap="flat">
+            <a:noFill/>
+            <a:miter lim="400000"/>
+          </a:ln>
+          <a:effectLst>
+            <a:outerShdw blurRad="38100" dist="25400" dir="5400000" rotWithShape="0">
+              <a:srgbClr val="000000">
+                <a:alpha val="50000"/>
+              </a:srgbClr>
+            </a:outerShdw>
+          </a:effectLst>
+          <a:sp3d/>
+        </p:spPr>
+        <p:style>
+          <a:lnRef idx="0">
+            <a:scrgbClr r="0" g="0" b="0"/>
+          </a:lnRef>
+          <a:fillRef idx="0">
+            <a:scrgbClr r="0" g="0" b="0"/>
+          </a:fillRef>
+          <a:effectRef idx="0">
+            <a:scrgbClr r="0" g="0" b="0"/>
+          </a:effectRef>
+          <a:fontRef idx="none"/>
+        </p:style>
+        <p:txBody>
+          <a:bodyPr spcFirstLastPara="1" lIns="25380" tIns="25380" rIns="25380" bIns="25380" spcCol="19035" anchor="ctr"/>
+          <a:lstStyle/>
+          <a:p>
+            <a:pPr algn="ctr" defTabSz="412420" hangingPunct="0">
+              <a:defRPr/>
+            </a:pPr>
+            <a:r>
+              <a:rPr lang="zh-CN" altLang="en-US" sz="1600" dirty="0" smtClean="0">
+                <a:latin typeface="微软雅黑" panose="020B0503020204020204" pitchFamily="34" charset="-122"/>
+                <a:ea typeface="微软雅黑" panose="020B0503020204020204" pitchFamily="34" charset="-122"/>
+              </a:rPr>
+              <a:t>系统架构</a:t>
+            </a:r>
+            <a:endParaRPr lang="zh-CN" altLang="en-US" sz="1600" dirty="0">
+              <a:solidFill>
+                <a:schemeClr val="tx1"/>
+              </a:solidFill>
+              <a:latin typeface="微软雅黑" panose="020B0503020204020204" pitchFamily="34" charset="-122"/>
+              <a:ea typeface="微软雅黑" panose="020B0503020204020204" pitchFamily="34" charset="-122"/>
+            </a:endParaRPr>
+          </a:p>
+        </p:txBody>
+      </p:sp>
+      <p:sp>
+        <p:nvSpPr>
+          <p:cNvPr id="6" name="燕尾形 5"/>
+          <p:cNvSpPr/>
+          <p:nvPr/>
+        </p:nvSpPr>
+        <p:spPr>
+          <a:xfrm>
+            <a:off x="3059832" y="80672"/>
+            <a:ext cx="1608290" cy="396000"/>
+          </a:xfrm>
+          <a:prstGeom prst="chevron">
+            <a:avLst/>
+          </a:prstGeom>
+          <a:solidFill>
+            <a:schemeClr val="tx2">
+              <a:lumMod val="20000"/>
+              <a:lumOff val="80000"/>
+            </a:schemeClr>
+          </a:solidFill>
+          <a:ln w="12700" cap="flat">
+            <a:noFill/>
+            <a:miter lim="400000"/>
+          </a:ln>
+          <a:effectLst>
+            <a:outerShdw blurRad="38100" dist="25400" dir="5400000" rotWithShape="0">
+              <a:srgbClr val="000000">
+                <a:alpha val="50000"/>
+              </a:srgbClr>
+            </a:outerShdw>
+          </a:effectLst>
+          <a:sp3d/>
+        </p:spPr>
+        <p:style>
+          <a:lnRef idx="0">
+            <a:scrgbClr r="0" g="0" b="0"/>
+          </a:lnRef>
+          <a:fillRef idx="0">
+            <a:scrgbClr r="0" g="0" b="0"/>
+          </a:fillRef>
+          <a:effectRef idx="0">
+            <a:scrgbClr r="0" g="0" b="0"/>
+          </a:effectRef>
+          <a:fontRef idx="none"/>
+        </p:style>
+        <p:txBody>
+          <a:bodyPr spcFirstLastPara="1" lIns="25380" tIns="25380" rIns="25380" bIns="25380" spcCol="19035" anchor="ctr"/>
+          <a:lstStyle/>
+          <a:p>
+            <a:pPr algn="ctr" defTabSz="412420" hangingPunct="0">
+              <a:defRPr/>
+            </a:pPr>
+            <a:r>
+              <a:rPr lang="zh-CN" altLang="en-US" sz="1600" dirty="0">
+                <a:latin typeface="微软雅黑" panose="020B0503020204020204" pitchFamily="34" charset="-122"/>
+                <a:ea typeface="微软雅黑" panose="020B0503020204020204" pitchFamily="34" charset="-122"/>
+              </a:rPr>
+              <a:t>关联</a:t>
+            </a:r>
+            <a:r>
+              <a:rPr lang="zh-CN" altLang="en-US" sz="1600" dirty="0" smtClean="0">
+                <a:latin typeface="微软雅黑" panose="020B0503020204020204" pitchFamily="34" charset="-122"/>
+                <a:ea typeface="微软雅黑" panose="020B0503020204020204" pitchFamily="34" charset="-122"/>
+              </a:rPr>
+              <a:t>部件</a:t>
+            </a:r>
+            <a:endParaRPr lang="zh-CN" altLang="en-US" sz="1600" dirty="0">
+              <a:solidFill>
+                <a:schemeClr val="tx1"/>
+              </a:solidFill>
+              <a:latin typeface="微软雅黑" panose="020B0503020204020204" pitchFamily="34" charset="-122"/>
+              <a:ea typeface="微软雅黑" panose="020B0503020204020204" pitchFamily="34" charset="-122"/>
+            </a:endParaRPr>
+          </a:p>
+        </p:txBody>
+      </p:sp>
+      <p:sp>
+        <p:nvSpPr>
+          <p:cNvPr id="8" name="燕尾形 7"/>
+          <p:cNvSpPr/>
+          <p:nvPr/>
+        </p:nvSpPr>
+        <p:spPr>
+          <a:xfrm>
+            <a:off x="6012160" y="80672"/>
+            <a:ext cx="1608290" cy="396000"/>
+          </a:xfrm>
+          <a:prstGeom prst="chevron">
+            <a:avLst/>
+          </a:prstGeom>
+          <a:solidFill>
+            <a:schemeClr val="accent4">
+              <a:lumMod val="40000"/>
+              <a:lumOff val="60000"/>
+            </a:schemeClr>
+          </a:solidFill>
+          <a:ln w="12700" cap="flat">
+            <a:noFill/>
+            <a:miter lim="400000"/>
+          </a:ln>
+          <a:effectLst>
+            <a:outerShdw blurRad="38100" dist="25400" dir="5400000" rotWithShape="0">
+              <a:srgbClr val="000000">
+                <a:alpha val="50000"/>
+              </a:srgbClr>
+            </a:outerShdw>
+          </a:effectLst>
+          <a:sp3d/>
+        </p:spPr>
+        <p:style>
+          <a:lnRef idx="0">
+            <a:scrgbClr r="0" g="0" b="0"/>
+          </a:lnRef>
+          <a:fillRef idx="0">
+            <a:scrgbClr r="0" g="0" b="0"/>
+          </a:fillRef>
+          <a:effectRef idx="0">
+            <a:scrgbClr r="0" g="0" b="0"/>
+          </a:effectRef>
+          <a:fontRef idx="none"/>
+        </p:style>
+        <p:txBody>
+          <a:bodyPr spcFirstLastPara="1" lIns="25380" tIns="25380" rIns="25380" bIns="25380" spcCol="19035" anchor="ctr"/>
+          <a:lstStyle/>
+          <a:p>
+            <a:pPr algn="ctr" defTabSz="412420" hangingPunct="0">
+              <a:defRPr/>
+            </a:pPr>
+            <a:r>
+              <a:rPr lang="zh-CN" altLang="en-US" sz="1600" b="1" dirty="0" smtClean="0">
+                <a:latin typeface="微软雅黑" panose="020B0503020204020204" pitchFamily="34" charset="-122"/>
+                <a:ea typeface="微软雅黑" panose="020B0503020204020204" pitchFamily="34" charset="-122"/>
+              </a:rPr>
+              <a:t>软件设计</a:t>
+            </a:r>
+            <a:endParaRPr lang="zh-CN" altLang="en-US" sz="1600" b="1" dirty="0">
+              <a:solidFill>
+                <a:schemeClr val="tx1"/>
+              </a:solidFill>
+              <a:latin typeface="微软雅黑" panose="020B0503020204020204" pitchFamily="34" charset="-122"/>
+              <a:ea typeface="微软雅黑" panose="020B0503020204020204" pitchFamily="34" charset="-122"/>
+            </a:endParaRPr>
+          </a:p>
+        </p:txBody>
+      </p:sp>
+      <p:cxnSp>
+        <p:nvCxnSpPr>
+          <p:cNvPr id="14" name="直接连接符 13"/>
+          <p:cNvCxnSpPr/>
+          <p:nvPr/>
+        </p:nvCxnSpPr>
+        <p:spPr>
+          <a:xfrm flipV="1">
+            <a:off x="0" y="530759"/>
+            <a:ext cx="9144000" cy="9331"/>
+          </a:xfrm>
+          <a:prstGeom prst="line">
+            <a:avLst/>
+          </a:prstGeom>
+        </p:spPr>
+        <p:style>
+          <a:lnRef idx="1">
+            <a:schemeClr val="dk1"/>
+          </a:lnRef>
+          <a:fillRef idx="0">
+            <a:schemeClr val="dk1"/>
+          </a:fillRef>
+          <a:effectRef idx="0">
+            <a:schemeClr val="dk1"/>
+          </a:effectRef>
+          <a:fontRef idx="minor">
+            <a:schemeClr val="tx1"/>
+          </a:fontRef>
+        </p:style>
+      </p:cxnSp>
+      <p:sp>
+        <p:nvSpPr>
+          <p:cNvPr id="13" name="燕尾形 12"/>
+          <p:cNvSpPr/>
+          <p:nvPr/>
+        </p:nvSpPr>
+        <p:spPr>
+          <a:xfrm>
+            <a:off x="4547886" y="80672"/>
+            <a:ext cx="1608290" cy="396000"/>
+          </a:xfrm>
+          <a:prstGeom prst="chevron">
+            <a:avLst/>
+          </a:prstGeom>
+          <a:solidFill>
+            <a:schemeClr val="tx2">
+              <a:lumMod val="20000"/>
+              <a:lumOff val="80000"/>
+            </a:schemeClr>
+          </a:solidFill>
+          <a:ln w="12700" cap="flat">
+            <a:noFill/>
+            <a:miter lim="400000"/>
+          </a:ln>
+          <a:effectLst>
+            <a:outerShdw blurRad="38100" dist="25400" dir="5400000" rotWithShape="0">
+              <a:srgbClr val="000000">
+                <a:alpha val="50000"/>
+              </a:srgbClr>
+            </a:outerShdw>
+          </a:effectLst>
+          <a:sp3d/>
+        </p:spPr>
+        <p:style>
+          <a:lnRef idx="0">
+            <a:scrgbClr r="0" g="0" b="0"/>
+          </a:lnRef>
+          <a:fillRef idx="0">
+            <a:scrgbClr r="0" g="0" b="0"/>
+          </a:fillRef>
+          <a:effectRef idx="0">
+            <a:scrgbClr r="0" g="0" b="0"/>
+          </a:effectRef>
+          <a:fontRef idx="none"/>
+        </p:style>
+        <p:txBody>
+          <a:bodyPr spcFirstLastPara="1" lIns="25380" tIns="25380" rIns="25380" bIns="25380" spcCol="19035" anchor="ctr"/>
+          <a:lstStyle/>
+          <a:p>
+            <a:pPr algn="ctr" defTabSz="412420" hangingPunct="0">
+              <a:defRPr/>
+            </a:pPr>
+            <a:r>
+              <a:rPr lang="zh-CN" altLang="en-US" sz="1600" dirty="0" smtClean="0">
+                <a:latin typeface="微软雅黑" panose="020B0503020204020204" pitchFamily="34" charset="-122"/>
+                <a:ea typeface="微软雅黑" panose="020B0503020204020204" pitchFamily="34" charset="-122"/>
+              </a:rPr>
+              <a:t>硬件设计</a:t>
+            </a:r>
+            <a:endParaRPr lang="zh-CN" altLang="en-US" sz="1600" dirty="0">
+              <a:solidFill>
+                <a:schemeClr val="tx1"/>
+              </a:solidFill>
+              <a:latin typeface="微软雅黑" panose="020B0503020204020204" pitchFamily="34" charset="-122"/>
+              <a:ea typeface="微软雅黑" panose="020B0503020204020204" pitchFamily="34" charset="-122"/>
+            </a:endParaRPr>
+          </a:p>
+        </p:txBody>
+      </p:sp>
+      <p:sp>
+        <p:nvSpPr>
+          <p:cNvPr id="16" name="燕尾形 15"/>
+          <p:cNvSpPr/>
+          <p:nvPr/>
+        </p:nvSpPr>
+        <p:spPr>
+          <a:xfrm>
+            <a:off x="7500214" y="80672"/>
+            <a:ext cx="1608290" cy="396000"/>
+          </a:xfrm>
+          <a:prstGeom prst="chevron">
+            <a:avLst/>
+          </a:prstGeom>
+          <a:solidFill>
+            <a:schemeClr val="tx2">
+              <a:lumMod val="20000"/>
+              <a:lumOff val="80000"/>
+            </a:schemeClr>
+          </a:solidFill>
+          <a:ln w="12700" cap="flat">
+            <a:noFill/>
+            <a:miter lim="400000"/>
+          </a:ln>
+          <a:effectLst>
+            <a:outerShdw blurRad="38100" dist="25400" dir="5400000" rotWithShape="0">
+              <a:srgbClr val="000000">
+                <a:alpha val="50000"/>
+              </a:srgbClr>
+            </a:outerShdw>
+          </a:effectLst>
+          <a:sp3d/>
+        </p:spPr>
+        <p:style>
+          <a:lnRef idx="0">
+            <a:scrgbClr r="0" g="0" b="0"/>
+          </a:lnRef>
+          <a:fillRef idx="0">
+            <a:scrgbClr r="0" g="0" b="0"/>
+          </a:fillRef>
+          <a:effectRef idx="0">
+            <a:scrgbClr r="0" g="0" b="0"/>
+          </a:effectRef>
+          <a:fontRef idx="none"/>
+        </p:style>
+        <p:txBody>
+          <a:bodyPr spcFirstLastPara="1" lIns="25380" tIns="25380" rIns="25380" bIns="25380" spcCol="19035" anchor="ctr"/>
+          <a:lstStyle/>
+          <a:p>
+            <a:pPr algn="ctr" defTabSz="412420" hangingPunct="0">
+              <a:defRPr/>
+            </a:pPr>
+            <a:r>
+              <a:rPr lang="zh-CN" altLang="en-US" sz="1600" dirty="0" smtClean="0">
+                <a:latin typeface="微软雅黑" panose="020B0503020204020204" pitchFamily="34" charset="-122"/>
+                <a:ea typeface="微软雅黑" panose="020B0503020204020204" pitchFamily="34" charset="-122"/>
+              </a:rPr>
+              <a:t>机构设计</a:t>
+            </a:r>
+            <a:endParaRPr lang="zh-CN" altLang="en-US" sz="1600" dirty="0">
+              <a:solidFill>
+                <a:schemeClr val="tx1"/>
+              </a:solidFill>
+              <a:latin typeface="微软雅黑" panose="020B0503020204020204" pitchFamily="34" charset="-122"/>
+              <a:ea typeface="微软雅黑" panose="020B0503020204020204" pitchFamily="34" charset="-122"/>
+            </a:endParaRPr>
+          </a:p>
+        </p:txBody>
+      </p:sp>
+      <p:sp>
+        <p:nvSpPr>
+          <p:cNvPr id="18" name="燕尾形 17"/>
+          <p:cNvSpPr/>
+          <p:nvPr/>
+        </p:nvSpPr>
+        <p:spPr>
+          <a:xfrm>
+            <a:off x="1595558" y="80672"/>
+            <a:ext cx="1608290" cy="396000"/>
+          </a:xfrm>
+          <a:prstGeom prst="chevron">
+            <a:avLst/>
+          </a:prstGeom>
+          <a:solidFill>
+            <a:schemeClr val="tx2">
+              <a:lumMod val="20000"/>
+              <a:lumOff val="80000"/>
+            </a:schemeClr>
+          </a:solidFill>
+          <a:ln w="12700" cap="flat">
+            <a:noFill/>
+            <a:miter lim="400000"/>
+          </a:ln>
+          <a:effectLst>
+            <a:outerShdw blurRad="38100" dist="25400" dir="5400000" rotWithShape="0">
+              <a:srgbClr val="000000">
+                <a:alpha val="50000"/>
+              </a:srgbClr>
+            </a:outerShdw>
+          </a:effectLst>
+          <a:sp3d/>
+        </p:spPr>
+        <p:style>
+          <a:lnRef idx="0">
+            <a:scrgbClr r="0" g="0" b="0"/>
+          </a:lnRef>
+          <a:fillRef idx="0">
+            <a:scrgbClr r="0" g="0" b="0"/>
+          </a:fillRef>
+          <a:effectRef idx="0">
+            <a:scrgbClr r="0" g="0" b="0"/>
+          </a:effectRef>
+          <a:fontRef idx="none"/>
+        </p:style>
+        <p:txBody>
+          <a:bodyPr spcFirstLastPara="1" lIns="25380" tIns="25380" rIns="25380" bIns="25380" spcCol="19035" anchor="ctr"/>
+          <a:lstStyle/>
+          <a:p>
+            <a:pPr algn="ctr" defTabSz="412420" hangingPunct="0">
+              <a:defRPr/>
+            </a:pPr>
+            <a:r>
+              <a:rPr lang="zh-CN" altLang="en-US" sz="1600" dirty="0" smtClean="0">
+                <a:latin typeface="微软雅黑" panose="020B0503020204020204" pitchFamily="34" charset="-122"/>
+                <a:ea typeface="微软雅黑" panose="020B0503020204020204" pitchFamily="34" charset="-122"/>
+              </a:rPr>
+              <a:t>功能介绍</a:t>
+            </a:r>
+            <a:endParaRPr lang="zh-CN" altLang="en-US" sz="1600" dirty="0">
+              <a:solidFill>
+                <a:schemeClr val="tx1"/>
+              </a:solidFill>
+              <a:latin typeface="微软雅黑" panose="020B0503020204020204" pitchFamily="34" charset="-122"/>
+              <a:ea typeface="微软雅黑" panose="020B0503020204020204" pitchFamily="34" charset="-122"/>
+            </a:endParaRPr>
+          </a:p>
+        </p:txBody>
+      </p:sp>
+      <p:sp>
+        <p:nvSpPr>
+          <p:cNvPr id="11" name="内容占位符 1"/>
+          <p:cNvSpPr txBox="1">
+            <a:spLocks/>
+          </p:cNvSpPr>
+          <p:nvPr/>
+        </p:nvSpPr>
+        <p:spPr>
+          <a:xfrm>
+            <a:off x="25152" y="592089"/>
+            <a:ext cx="2602632" cy="316631"/>
+          </a:xfrm>
+          <a:prstGeom prst="rect">
+            <a:avLst/>
+          </a:prstGeom>
+        </p:spPr>
+        <p:txBody>
+          <a:bodyPr vert="horz" lIns="91440" tIns="45720" rIns="91440" bIns="45720" rtlCol="0">
+            <a:normAutofit/>
+          </a:bodyPr>
+          <a:lstStyle>
+            <a:lvl1pPr marL="342900" indent="-342900" algn="l" defTabSz="914400" rtl="0" eaLnBrk="1" latinLnBrk="0" hangingPunct="1">
+              <a:spcBef>
+                <a:spcPct val="20000"/>
+              </a:spcBef>
+              <a:buFont typeface="Arial" panose="020B0604020202020204" pitchFamily="34" charset="0"/>
+              <a:buChar char="•"/>
+              <a:defRPr sz="3200" kern="1200">
+                <a:solidFill>
+                  <a:schemeClr val="tx1"/>
+                </a:solidFill>
+                <a:latin typeface="+mn-lt"/>
+                <a:ea typeface="+mn-ea"/>
+                <a:cs typeface="+mn-cs"/>
+              </a:defRPr>
+            </a:lvl1pPr>
+            <a:lvl2pPr marL="742950" indent="-285750" algn="l" defTabSz="914400" rtl="0" eaLnBrk="1" latinLnBrk="0" hangingPunct="1">
+              <a:spcBef>
+                <a:spcPct val="20000"/>
+              </a:spcBef>
+              <a:buFont typeface="Arial" panose="020B0604020202020204" pitchFamily="34" charset="0"/>
+              <a:buChar char="–"/>
+              <a:defRPr sz="2800" kern="1200">
+                <a:solidFill>
+                  <a:schemeClr val="tx1"/>
+                </a:solidFill>
+                <a:latin typeface="+mn-lt"/>
+                <a:ea typeface="+mn-ea"/>
+                <a:cs typeface="+mn-cs"/>
+              </a:defRPr>
+            </a:lvl2pPr>
+            <a:lvl3pPr marL="1143000" indent="-228600" algn="l" defTabSz="914400" rtl="0" eaLnBrk="1" latinLnBrk="0" hangingPunct="1">
+              <a:spcBef>
+                <a:spcPct val="20000"/>
+              </a:spcBef>
+              <a:buFont typeface="Arial" panose="020B0604020202020204" pitchFamily="34" charset="0"/>
+              <a:buChar char="•"/>
+              <a:defRPr sz="2400" kern="1200">
+                <a:solidFill>
+                  <a:schemeClr val="tx1"/>
+                </a:solidFill>
+                <a:latin typeface="+mn-lt"/>
+                <a:ea typeface="+mn-ea"/>
+                <a:cs typeface="+mn-cs"/>
+              </a:defRPr>
+            </a:lvl3pPr>
+            <a:lvl4pPr marL="1600200" indent="-228600" algn="l" defTabSz="914400" rtl="0" eaLnBrk="1" latinLnBrk="0" hangingPunct="1">
+              <a:spcBef>
+                <a:spcPct val="20000"/>
+              </a:spcBef>
+              <a:buFont typeface="Arial" panose="020B0604020202020204" pitchFamily="34" charset="0"/>
+              <a:buChar char="–"/>
+              <a:defRPr sz="2000" kern="1200">
+                <a:solidFill>
+                  <a:schemeClr val="tx1"/>
+                </a:solidFill>
+                <a:latin typeface="+mn-lt"/>
+                <a:ea typeface="+mn-ea"/>
+                <a:cs typeface="+mn-cs"/>
+              </a:defRPr>
+            </a:lvl4pPr>
+            <a:lvl5pPr marL="2057400" indent="-228600" algn="l" defTabSz="914400" rtl="0" eaLnBrk="1" latinLnBrk="0" hangingPunct="1">
+              <a:spcBef>
+                <a:spcPct val="20000"/>
+              </a:spcBef>
+              <a:buFont typeface="Arial" panose="020B0604020202020204" pitchFamily="34" charset="0"/>
+              <a:buChar char="»"/>
+              <a:defRPr sz="2000" kern="1200">
+                <a:solidFill>
+                  <a:schemeClr val="tx1"/>
+                </a:solidFill>
+                <a:latin typeface="+mn-lt"/>
+                <a:ea typeface="+mn-ea"/>
+                <a:cs typeface="+mn-cs"/>
+              </a:defRPr>
+            </a:lvl5pPr>
+            <a:lvl6pPr marL="2514600" indent="-228600" algn="l" defTabSz="914400" rtl="0" eaLnBrk="1" latinLnBrk="0" hangingPunct="1">
+              <a:spcBef>
+                <a:spcPct val="20000"/>
+              </a:spcBef>
+              <a:buFont typeface="Arial" panose="020B0604020202020204" pitchFamily="34" charset="0"/>
+              <a:buChar char="•"/>
+              <a:defRPr sz="2000" kern="1200">
+                <a:solidFill>
+                  <a:schemeClr val="tx1"/>
+                </a:solidFill>
+                <a:latin typeface="+mn-lt"/>
+                <a:ea typeface="+mn-ea"/>
+                <a:cs typeface="+mn-cs"/>
+              </a:defRPr>
+            </a:lvl6pPr>
+            <a:lvl7pPr marL="2971800" indent="-228600" algn="l" defTabSz="914400" rtl="0" eaLnBrk="1" latinLnBrk="0" hangingPunct="1">
+              <a:spcBef>
+                <a:spcPct val="20000"/>
+              </a:spcBef>
+              <a:buFont typeface="Arial" panose="020B0604020202020204" pitchFamily="34" charset="0"/>
+              <a:buChar char="•"/>
+              <a:defRPr sz="2000" kern="1200">
+                <a:solidFill>
+                  <a:schemeClr val="tx1"/>
+                </a:solidFill>
+                <a:latin typeface="+mn-lt"/>
+                <a:ea typeface="+mn-ea"/>
+                <a:cs typeface="+mn-cs"/>
+              </a:defRPr>
+            </a:lvl7pPr>
+            <a:lvl8pPr marL="3429000" indent="-228600" algn="l" defTabSz="914400" rtl="0" eaLnBrk="1" latinLnBrk="0" hangingPunct="1">
+              <a:spcBef>
+                <a:spcPct val="20000"/>
+              </a:spcBef>
+              <a:buFont typeface="Arial" panose="020B0604020202020204" pitchFamily="34" charset="0"/>
+              <a:buChar char="•"/>
+              <a:defRPr sz="2000" kern="1200">
+                <a:solidFill>
+                  <a:schemeClr val="tx1"/>
+                </a:solidFill>
+                <a:latin typeface="+mn-lt"/>
+                <a:ea typeface="+mn-ea"/>
+                <a:cs typeface="+mn-cs"/>
+              </a:defRPr>
+            </a:lvl8pPr>
+            <a:lvl9pPr marL="3886200" indent="-228600" algn="l" defTabSz="914400" rtl="0" eaLnBrk="1" latinLnBrk="0" hangingPunct="1">
+              <a:spcBef>
+                <a:spcPct val="20000"/>
+              </a:spcBef>
+              <a:buFont typeface="Arial" panose="020B0604020202020204" pitchFamily="34" charset="0"/>
+              <a:buChar char="•"/>
+              <a:defRPr sz="2000" kern="1200">
+                <a:solidFill>
+                  <a:schemeClr val="tx1"/>
+                </a:solidFill>
+                <a:latin typeface="+mn-lt"/>
+                <a:ea typeface="+mn-ea"/>
+                <a:cs typeface="+mn-cs"/>
+              </a:defRPr>
+            </a:lvl9pPr>
+          </a:lstStyle>
+          <a:p>
+            <a:pPr marL="0" indent="0">
+              <a:buFont typeface="Arial" panose="020B0604020202020204" pitchFamily="34" charset="0"/>
+              <a:buNone/>
+            </a:pPr>
+            <a:r>
+              <a:rPr lang="en-US" altLang="zh-CN" sz="1400" dirty="0" smtClean="0"/>
+              <a:t>5.1APU</a:t>
+            </a:r>
+            <a:r>
+              <a:rPr lang="zh-CN" altLang="en-US" sz="1400" dirty="0" smtClean="0"/>
+              <a:t>工作状态</a:t>
+            </a:r>
+            <a:endParaRPr lang="zh-CN" altLang="en-US" sz="1400" dirty="0"/>
+          </a:p>
+        </p:txBody>
+      </p:sp>
+      <p:graphicFrame>
+        <p:nvGraphicFramePr>
+          <p:cNvPr id="19" name="内容占位符 9"/>
+          <p:cNvGraphicFramePr>
+            <a:graphicFrameLocks/>
+          </p:cNvGraphicFramePr>
+          <p:nvPr>
+            <p:extLst>
+              <p:ext uri="{D42A27DB-BD31-4B8C-83A1-F6EECF244321}">
+                <p14:modId xmlns:p14="http://schemas.microsoft.com/office/powerpoint/2010/main" val="723688211"/>
+              </p:ext>
+            </p:extLst>
+          </p:nvPr>
+        </p:nvGraphicFramePr>
+        <p:xfrm>
+          <a:off x="1043608" y="1556792"/>
+          <a:ext cx="6840760" cy="3320533"/>
+        </p:xfrm>
+        <a:graphic>
+          <a:graphicData uri="http://schemas.openxmlformats.org/drawingml/2006/table">
+            <a:tbl>
+              <a:tblPr firstRow="1" bandRow="1">
+                <a:tableStyleId>{5C22544A-7EE6-4342-B048-85BDC9FD1C3A}</a:tableStyleId>
+              </a:tblPr>
+              <a:tblGrid>
+                <a:gridCol w="384689"/>
+                <a:gridCol w="1580209"/>
+                <a:gridCol w="4875862"/>
+              </a:tblGrid>
+              <a:tr h="360040">
+                <a:tc>
+                  <a:txBody>
+                    <a:bodyPr/>
+                    <a:lstStyle/>
+                    <a:p>
+                      <a:pPr algn="ctr"/>
+                      <a:r>
+                        <a:rPr lang="en-US" altLang="zh-CN" sz="1000" dirty="0" smtClean="0"/>
+                        <a:t>No.</a:t>
+                      </a:r>
+                      <a:endParaRPr lang="zh-CN" altLang="en-US" sz="1000" dirty="0"/>
+                    </a:p>
+                  </a:txBody>
+                  <a:tcPr anchor="ctr"/>
+                </a:tc>
+                <a:tc>
+                  <a:txBody>
+                    <a:bodyPr/>
+                    <a:lstStyle/>
+                    <a:p>
+                      <a:pPr marL="0" marR="0" indent="0" algn="l" defTabSz="914400" rtl="0" eaLnBrk="1" fontAlgn="auto" latinLnBrk="0" hangingPunct="1">
+                        <a:lnSpc>
+                          <a:spcPct val="100000"/>
+                        </a:lnSpc>
+                        <a:spcBef>
+                          <a:spcPts val="0"/>
+                        </a:spcBef>
+                        <a:spcAft>
+                          <a:spcPts val="0"/>
+                        </a:spcAft>
+                        <a:buClrTx/>
+                        <a:buSzTx/>
+                        <a:buFontTx/>
+                        <a:buNone/>
+                        <a:tabLst/>
+                        <a:defRPr/>
+                      </a:pPr>
+                      <a:r>
+                        <a:rPr lang="en-US" altLang="zh-CN" sz="1000" dirty="0" smtClean="0"/>
+                        <a:t>State</a:t>
+                      </a:r>
+                      <a:endParaRPr lang="zh-CN" altLang="en-US" sz="1000" dirty="0" smtClean="0"/>
+                    </a:p>
+                  </a:txBody>
+                  <a:tcPr anchor="ctr"/>
+                </a:tc>
+                <a:tc>
+                  <a:txBody>
+                    <a:bodyPr/>
+                    <a:lstStyle/>
+                    <a:p>
+                      <a:pPr algn="l"/>
+                      <a:r>
+                        <a:rPr lang="en-US" altLang="zh-CN" sz="1000" dirty="0" smtClean="0"/>
+                        <a:t>Description</a:t>
+                      </a:r>
+                      <a:endParaRPr lang="zh-CN" altLang="en-US" sz="1000" dirty="0"/>
+                    </a:p>
+                  </a:txBody>
+                  <a:tcPr anchor="ctr"/>
+                </a:tc>
+              </a:tr>
+              <a:tr h="734928">
+                <a:tc>
+                  <a:txBody>
+                    <a:bodyPr/>
+                    <a:lstStyle/>
+                    <a:p>
+                      <a:pPr marL="0" marR="0" indent="0" algn="ctr" defTabSz="914400" rtl="0" eaLnBrk="1" fontAlgn="auto" latinLnBrk="0" hangingPunct="1">
+                        <a:lnSpc>
+                          <a:spcPct val="100000"/>
+                        </a:lnSpc>
+                        <a:spcBef>
+                          <a:spcPts val="0"/>
+                        </a:spcBef>
+                        <a:spcAft>
+                          <a:spcPts val="0"/>
+                        </a:spcAft>
+                        <a:buClrTx/>
+                        <a:buSzTx/>
+                        <a:buFontTx/>
+                        <a:buNone/>
+                        <a:tabLst/>
+                        <a:defRPr/>
+                      </a:pPr>
+                      <a:r>
+                        <a:rPr lang="en-US" altLang="zh-CN" sz="900" kern="1200" dirty="0" smtClean="0">
+                          <a:solidFill>
+                            <a:schemeClr val="dk1"/>
+                          </a:solidFill>
+                          <a:latin typeface="+mn-lt"/>
+                          <a:ea typeface="+mn-ea"/>
+                          <a:cs typeface="+mn-cs"/>
+                        </a:rPr>
+                        <a:t>1</a:t>
+                      </a:r>
+                      <a:endParaRPr lang="zh-CN" altLang="en-US" sz="900" kern="1200" dirty="0" smtClean="0">
+                        <a:solidFill>
+                          <a:schemeClr val="dk1"/>
+                        </a:solidFill>
+                        <a:latin typeface="+mn-lt"/>
+                        <a:ea typeface="+mn-ea"/>
+                        <a:cs typeface="+mn-cs"/>
+                      </a:endParaRPr>
+                    </a:p>
+                  </a:txBody>
+                  <a:tcPr anchor="ctr"/>
+                </a:tc>
+                <a:tc>
+                  <a:txBody>
+                    <a:bodyPr/>
+                    <a:lstStyle/>
+                    <a:p>
+                      <a:pPr algn="l"/>
+                      <a:r>
+                        <a:rPr lang="en-US" altLang="zh-CN" sz="900" dirty="0" smtClean="0"/>
+                        <a:t>Off</a:t>
+                      </a:r>
+                      <a:endParaRPr lang="zh-CN" altLang="en-US" sz="900" dirty="0"/>
+                    </a:p>
+                  </a:txBody>
+                  <a:tcPr anchor="ctr"/>
+                </a:tc>
+                <a:tc>
+                  <a:txBody>
+                    <a:bodyPr/>
+                    <a:lstStyle/>
+                    <a:p>
+                      <a:pPr marL="0" marR="0" indent="0" algn="l" defTabSz="914400" rtl="0" eaLnBrk="1" fontAlgn="auto" latinLnBrk="0" hangingPunct="1">
+                        <a:lnSpc>
+                          <a:spcPct val="100000"/>
+                        </a:lnSpc>
+                        <a:spcBef>
+                          <a:spcPts val="0"/>
+                        </a:spcBef>
+                        <a:spcAft>
+                          <a:spcPts val="0"/>
+                        </a:spcAft>
+                        <a:buClrTx/>
+                        <a:buSzTx/>
+                        <a:buFontTx/>
+                        <a:buNone/>
+                        <a:tabLst/>
+                        <a:defRPr/>
+                      </a:pPr>
+                      <a:endParaRPr lang="zh-CN" altLang="en-US" sz="900" dirty="0" smtClean="0"/>
+                    </a:p>
+                  </a:txBody>
+                  <a:tcPr anchor="ctr"/>
+                </a:tc>
+              </a:tr>
+              <a:tr h="734928">
+                <a:tc>
+                  <a:txBody>
+                    <a:bodyPr/>
+                    <a:lstStyle/>
+                    <a:p>
+                      <a:pPr marL="0" marR="0" indent="0" algn="ctr" defTabSz="914400" rtl="0" eaLnBrk="1" fontAlgn="auto" latinLnBrk="0" hangingPunct="1">
+                        <a:lnSpc>
+                          <a:spcPct val="100000"/>
+                        </a:lnSpc>
+                        <a:spcBef>
+                          <a:spcPts val="0"/>
+                        </a:spcBef>
+                        <a:spcAft>
+                          <a:spcPts val="0"/>
+                        </a:spcAft>
+                        <a:buClrTx/>
+                        <a:buSzTx/>
+                        <a:buFontTx/>
+                        <a:buNone/>
+                        <a:tabLst/>
+                        <a:defRPr/>
+                      </a:pPr>
+                      <a:r>
+                        <a:rPr lang="en-US" altLang="zh-CN" sz="900" dirty="0" smtClean="0"/>
+                        <a:t>2</a:t>
+                      </a:r>
+                      <a:endParaRPr lang="zh-CN" altLang="en-US" sz="900" dirty="0" smtClean="0"/>
+                    </a:p>
+                  </a:txBody>
+                  <a:tcPr anchor="ctr"/>
+                </a:tc>
+                <a:tc>
+                  <a:txBody>
+                    <a:bodyPr/>
+                    <a:lstStyle/>
+                    <a:p>
+                      <a:pPr algn="l"/>
+                      <a:r>
+                        <a:rPr lang="en-US" altLang="zh-CN" sz="900" dirty="0" smtClean="0"/>
+                        <a:t>Disable</a:t>
+                      </a:r>
+                      <a:endParaRPr lang="zh-CN" altLang="en-US" sz="900" dirty="0"/>
+                    </a:p>
+                  </a:txBody>
+                  <a:tcPr anchor="ctr"/>
+                </a:tc>
+                <a:tc>
+                  <a:txBody>
+                    <a:bodyPr/>
+                    <a:lstStyle/>
+                    <a:p>
+                      <a:pPr marL="0" marR="0" indent="0" algn="l" defTabSz="914400" rtl="0" eaLnBrk="1" fontAlgn="auto" latinLnBrk="0" hangingPunct="1">
+                        <a:lnSpc>
+                          <a:spcPct val="100000"/>
+                        </a:lnSpc>
+                        <a:spcBef>
+                          <a:spcPts val="0"/>
+                        </a:spcBef>
+                        <a:spcAft>
+                          <a:spcPts val="0"/>
+                        </a:spcAft>
+                        <a:buClrTx/>
+                        <a:buSzTx/>
+                        <a:buFontTx/>
+                        <a:buNone/>
+                        <a:tabLst/>
+                        <a:defRPr/>
+                      </a:pPr>
+                      <a:endParaRPr lang="zh-CN" altLang="en-US" sz="900" dirty="0" smtClean="0"/>
+                    </a:p>
+                  </a:txBody>
+                  <a:tcPr anchor="ctr"/>
+                </a:tc>
+              </a:tr>
+              <a:tr h="755709">
+                <a:tc>
+                  <a:txBody>
+                    <a:bodyPr/>
+                    <a:lstStyle/>
+                    <a:p>
+                      <a:pPr marL="0" marR="0" indent="0" algn="ctr" defTabSz="914400" rtl="0" eaLnBrk="1" fontAlgn="auto" latinLnBrk="0" hangingPunct="1">
+                        <a:lnSpc>
+                          <a:spcPct val="100000"/>
+                        </a:lnSpc>
+                        <a:spcBef>
+                          <a:spcPts val="0"/>
+                        </a:spcBef>
+                        <a:spcAft>
+                          <a:spcPts val="0"/>
+                        </a:spcAft>
+                        <a:buClrTx/>
+                        <a:buSzTx/>
+                        <a:buFontTx/>
+                        <a:buNone/>
+                        <a:tabLst/>
+                        <a:defRPr/>
+                      </a:pPr>
+                      <a:r>
+                        <a:rPr lang="en-US" altLang="zh-CN" sz="900" dirty="0" smtClean="0"/>
+                        <a:t>3</a:t>
+                      </a:r>
+                      <a:endParaRPr lang="zh-CN" altLang="en-US" sz="900" dirty="0" smtClean="0"/>
+                    </a:p>
+                  </a:txBody>
+                  <a:tcPr anchor="ctr"/>
+                </a:tc>
+                <a:tc>
+                  <a:txBody>
+                    <a:bodyPr/>
+                    <a:lstStyle/>
+                    <a:p>
+                      <a:pPr algn="l"/>
+                      <a:r>
+                        <a:rPr lang="en-US" altLang="zh-CN" sz="900" dirty="0" smtClean="0"/>
+                        <a:t>Enable</a:t>
+                      </a:r>
+                      <a:endParaRPr lang="zh-CN" altLang="en-US" sz="900" dirty="0"/>
+                    </a:p>
+                  </a:txBody>
+                  <a:tcPr anchor="ctr"/>
+                </a:tc>
+                <a:tc>
+                  <a:txBody>
+                    <a:bodyPr/>
+                    <a:lstStyle/>
+                    <a:p>
+                      <a:pPr marL="0" marR="0" indent="0" algn="l" defTabSz="914400" rtl="0" eaLnBrk="1" fontAlgn="auto" latinLnBrk="0" hangingPunct="1">
+                        <a:lnSpc>
+                          <a:spcPct val="100000"/>
+                        </a:lnSpc>
+                        <a:spcBef>
+                          <a:spcPts val="0"/>
+                        </a:spcBef>
+                        <a:spcAft>
+                          <a:spcPts val="0"/>
+                        </a:spcAft>
+                        <a:buClrTx/>
+                        <a:buSzTx/>
+                        <a:buFontTx/>
+                        <a:buNone/>
+                        <a:tabLst/>
+                        <a:defRPr/>
+                      </a:pPr>
+                      <a:endParaRPr lang="zh-CN" altLang="en-US" sz="900" dirty="0" smtClean="0"/>
+                    </a:p>
+                  </a:txBody>
+                  <a:tcPr anchor="ctr"/>
+                </a:tc>
+              </a:tr>
+              <a:tr h="734928">
+                <a:tc>
+                  <a:txBody>
+                    <a:bodyPr/>
+                    <a:lstStyle/>
+                    <a:p>
+                      <a:pPr marL="0" marR="0" indent="0" algn="ctr" defTabSz="914400" rtl="0" eaLnBrk="1" fontAlgn="auto" latinLnBrk="0" hangingPunct="1">
+                        <a:lnSpc>
+                          <a:spcPct val="100000"/>
+                        </a:lnSpc>
+                        <a:spcBef>
+                          <a:spcPts val="0"/>
+                        </a:spcBef>
+                        <a:spcAft>
+                          <a:spcPts val="0"/>
+                        </a:spcAft>
+                        <a:buClrTx/>
+                        <a:buSzTx/>
+                        <a:buFontTx/>
+                        <a:buNone/>
+                        <a:tabLst/>
+                        <a:defRPr/>
+                      </a:pPr>
+                      <a:r>
+                        <a:rPr lang="en-US" altLang="zh-CN" sz="900" dirty="0" smtClean="0"/>
+                        <a:t>4</a:t>
+                      </a:r>
+                      <a:endParaRPr lang="zh-CN" altLang="en-US" sz="900" dirty="0" smtClean="0"/>
+                    </a:p>
+                  </a:txBody>
+                  <a:tcPr anchor="ctr"/>
+                </a:tc>
+                <a:tc>
+                  <a:txBody>
+                    <a:bodyPr/>
+                    <a:lstStyle/>
+                    <a:p>
+                      <a:pPr algn="l"/>
+                      <a:r>
+                        <a:rPr lang="en-US" altLang="zh-CN" sz="900" dirty="0" smtClean="0"/>
+                        <a:t>Active</a:t>
+                      </a:r>
+                      <a:endParaRPr lang="zh-CN" altLang="en-US" sz="900" dirty="0"/>
+                    </a:p>
+                  </a:txBody>
+                  <a:tcPr anchor="ctr"/>
+                </a:tc>
+                <a:tc>
+                  <a:txBody>
+                    <a:bodyPr/>
+                    <a:lstStyle/>
+                    <a:p>
+                      <a:pPr marL="0" marR="0" indent="0" algn="l" defTabSz="914400" rtl="0" eaLnBrk="1" fontAlgn="auto" latinLnBrk="0" hangingPunct="1">
+                        <a:lnSpc>
+                          <a:spcPct val="100000"/>
+                        </a:lnSpc>
+                        <a:spcBef>
+                          <a:spcPts val="0"/>
+                        </a:spcBef>
+                        <a:spcAft>
+                          <a:spcPts val="0"/>
+                        </a:spcAft>
+                        <a:buClrTx/>
+                        <a:buSzTx/>
+                        <a:buFontTx/>
+                        <a:buNone/>
+                        <a:tabLst/>
+                        <a:defRPr/>
+                      </a:pPr>
+                      <a:endParaRPr lang="zh-CN" altLang="en-US" sz="900" dirty="0" smtClean="0"/>
+                    </a:p>
+                  </a:txBody>
+                  <a:tcPr anchor="ctr"/>
+                </a:tc>
+              </a:tr>
+            </a:tbl>
+          </a:graphicData>
+        </a:graphic>
+      </p:graphicFrame>
+    </p:spTree>
+    <p:extLst>
+      <p:ext uri="{BB962C8B-B14F-4D97-AF65-F5344CB8AC3E}">
+        <p14:creationId xmlns:p14="http://schemas.microsoft.com/office/powerpoint/2010/main" val="2473620575"/>
+      </p:ext>
+    </p:extLst>
+  </p:cSld>
+  <p:clrMapOvr>
+    <a:masterClrMapping/>
+  </p:clrMapOvr>
+  <p:timing>
+    <p:tnLst>
+      <p:par>
+        <p:cTn id="1" dur="indefinite" restart="never" nodeType="tmRoot"/>
+      </p:par>
+    </p:tnLst>
+  </p:timing>
+</p:sld>
+</file>
+
+<file path=ppt/slides/slide19.xml><?xml version="1.0" encoding="utf-8"?>
 <p:sld xmlns:a="http://schemas.openxmlformats.org/drawingml/2006/main" xmlns:r="http://schemas.openxmlformats.org/officeDocument/2006/relationships" xmlns:p="http://schemas.openxmlformats.org/presentationml/2006/main">
   <p:cSld>
     <p:spTree>
@@ -19824,7 +21159,745 @@
 </p:sld>
 </file>
 
-<file path=ppt/slides/slide19.xml><?xml version="1.0" encoding="utf-8"?>
+<file path=ppt/slides/slide2.xml><?xml version="1.0" encoding="utf-8"?>
+<p:sld xmlns:a="http://schemas.openxmlformats.org/drawingml/2006/main" xmlns:r="http://schemas.openxmlformats.org/officeDocument/2006/relationships" xmlns:p="http://schemas.openxmlformats.org/presentationml/2006/main">
+  <p:cSld>
+    <p:spTree>
+      <p:nvGrpSpPr>
+        <p:cNvPr id="1" name=""/>
+        <p:cNvGrpSpPr/>
+        <p:nvPr/>
+      </p:nvGrpSpPr>
+      <p:grpSpPr>
+        <a:xfrm>
+          <a:off x="0" y="0"/>
+          <a:ext cx="0" cy="0"/>
+          <a:chOff x="0" y="0"/>
+          <a:chExt cx="0" cy="0"/>
+        </a:xfrm>
+      </p:grpSpPr>
+      <p:sp>
+        <p:nvSpPr>
+          <p:cNvPr id="5" name="五边形 4"/>
+          <p:cNvSpPr/>
+          <p:nvPr/>
+        </p:nvSpPr>
+        <p:spPr>
+          <a:xfrm>
+            <a:off x="107504" y="80672"/>
+            <a:ext cx="1608290" cy="396000"/>
+          </a:xfrm>
+          <a:prstGeom prst="homePlate">
+            <a:avLst/>
+          </a:prstGeom>
+          <a:solidFill>
+            <a:schemeClr val="accent4">
+              <a:lumMod val="40000"/>
+              <a:lumOff val="60000"/>
+            </a:schemeClr>
+          </a:solidFill>
+          <a:ln w="12700" cap="flat">
+            <a:noFill/>
+            <a:miter lim="400000"/>
+          </a:ln>
+          <a:effectLst>
+            <a:outerShdw blurRad="38100" dist="25400" dir="5400000" rotWithShape="0">
+              <a:srgbClr val="000000">
+                <a:alpha val="50000"/>
+              </a:srgbClr>
+            </a:outerShdw>
+          </a:effectLst>
+          <a:sp3d/>
+        </p:spPr>
+        <p:style>
+          <a:lnRef idx="0">
+            <a:scrgbClr r="0" g="0" b="0"/>
+          </a:lnRef>
+          <a:fillRef idx="0">
+            <a:scrgbClr r="0" g="0" b="0"/>
+          </a:fillRef>
+          <a:effectRef idx="0">
+            <a:scrgbClr r="0" g="0" b="0"/>
+          </a:effectRef>
+          <a:fontRef idx="none"/>
+        </p:style>
+        <p:txBody>
+          <a:bodyPr spcFirstLastPara="1" lIns="25380" tIns="25380" rIns="25380" bIns="25380" spcCol="19035" anchor="ctr"/>
+          <a:lstStyle/>
+          <a:p>
+            <a:pPr algn="ctr" defTabSz="412420" hangingPunct="0">
+              <a:defRPr/>
+            </a:pPr>
+            <a:r>
+              <a:rPr lang="zh-CN" altLang="en-US" sz="1600" b="1" dirty="0" smtClean="0">
+                <a:latin typeface="微软雅黑" panose="020B0503020204020204" pitchFamily="34" charset="-122"/>
+                <a:ea typeface="微软雅黑" panose="020B0503020204020204" pitchFamily="34" charset="-122"/>
+              </a:rPr>
+              <a:t>系统架构</a:t>
+            </a:r>
+            <a:endParaRPr lang="zh-CN" altLang="en-US" sz="1600" b="1" dirty="0">
+              <a:solidFill>
+                <a:schemeClr val="tx1"/>
+              </a:solidFill>
+              <a:latin typeface="微软雅黑" panose="020B0503020204020204" pitchFamily="34" charset="-122"/>
+              <a:ea typeface="微软雅黑" panose="020B0503020204020204" pitchFamily="34" charset="-122"/>
+            </a:endParaRPr>
+          </a:p>
+        </p:txBody>
+      </p:sp>
+      <p:sp>
+        <p:nvSpPr>
+          <p:cNvPr id="6" name="燕尾形 5"/>
+          <p:cNvSpPr/>
+          <p:nvPr/>
+        </p:nvSpPr>
+        <p:spPr>
+          <a:xfrm>
+            <a:off x="3059832" y="80672"/>
+            <a:ext cx="1608290" cy="396000"/>
+          </a:xfrm>
+          <a:prstGeom prst="chevron">
+            <a:avLst/>
+          </a:prstGeom>
+          <a:solidFill>
+            <a:schemeClr val="tx2">
+              <a:lumMod val="20000"/>
+              <a:lumOff val="80000"/>
+            </a:schemeClr>
+          </a:solidFill>
+          <a:ln w="12700" cap="flat">
+            <a:noFill/>
+            <a:miter lim="400000"/>
+          </a:ln>
+          <a:effectLst>
+            <a:outerShdw blurRad="38100" dist="25400" dir="5400000" rotWithShape="0">
+              <a:srgbClr val="000000">
+                <a:alpha val="50000"/>
+              </a:srgbClr>
+            </a:outerShdw>
+          </a:effectLst>
+          <a:sp3d/>
+        </p:spPr>
+        <p:style>
+          <a:lnRef idx="0">
+            <a:scrgbClr r="0" g="0" b="0"/>
+          </a:lnRef>
+          <a:fillRef idx="0">
+            <a:scrgbClr r="0" g="0" b="0"/>
+          </a:fillRef>
+          <a:effectRef idx="0">
+            <a:scrgbClr r="0" g="0" b="0"/>
+          </a:effectRef>
+          <a:fontRef idx="none"/>
+        </p:style>
+        <p:txBody>
+          <a:bodyPr spcFirstLastPara="1" lIns="25380" tIns="25380" rIns="25380" bIns="25380" spcCol="19035" anchor="ctr"/>
+          <a:lstStyle/>
+          <a:p>
+            <a:pPr algn="ctr" defTabSz="412420" hangingPunct="0">
+              <a:defRPr/>
+            </a:pPr>
+            <a:r>
+              <a:rPr lang="zh-CN" altLang="en-US" sz="1600" dirty="0">
+                <a:latin typeface="微软雅黑" panose="020B0503020204020204" pitchFamily="34" charset="-122"/>
+                <a:ea typeface="微软雅黑" panose="020B0503020204020204" pitchFamily="34" charset="-122"/>
+              </a:rPr>
+              <a:t>关联</a:t>
+            </a:r>
+            <a:r>
+              <a:rPr lang="zh-CN" altLang="en-US" sz="1600" dirty="0" smtClean="0">
+                <a:latin typeface="微软雅黑" panose="020B0503020204020204" pitchFamily="34" charset="-122"/>
+                <a:ea typeface="微软雅黑" panose="020B0503020204020204" pitchFamily="34" charset="-122"/>
+              </a:rPr>
+              <a:t>部件</a:t>
+            </a:r>
+            <a:endParaRPr lang="zh-CN" altLang="en-US" sz="1600" dirty="0">
+              <a:solidFill>
+                <a:schemeClr val="tx1"/>
+              </a:solidFill>
+              <a:latin typeface="微软雅黑" panose="020B0503020204020204" pitchFamily="34" charset="-122"/>
+              <a:ea typeface="微软雅黑" panose="020B0503020204020204" pitchFamily="34" charset="-122"/>
+            </a:endParaRPr>
+          </a:p>
+        </p:txBody>
+      </p:sp>
+      <p:sp>
+        <p:nvSpPr>
+          <p:cNvPr id="8" name="燕尾形 7"/>
+          <p:cNvSpPr/>
+          <p:nvPr/>
+        </p:nvSpPr>
+        <p:spPr>
+          <a:xfrm>
+            <a:off x="6012160" y="80672"/>
+            <a:ext cx="1608290" cy="396000"/>
+          </a:xfrm>
+          <a:prstGeom prst="chevron">
+            <a:avLst/>
+          </a:prstGeom>
+          <a:solidFill>
+            <a:schemeClr val="tx2">
+              <a:lumMod val="20000"/>
+              <a:lumOff val="80000"/>
+            </a:schemeClr>
+          </a:solidFill>
+          <a:ln w="12700" cap="flat">
+            <a:noFill/>
+            <a:miter lim="400000"/>
+          </a:ln>
+          <a:effectLst>
+            <a:outerShdw blurRad="38100" dist="25400" dir="5400000" rotWithShape="0">
+              <a:srgbClr val="000000">
+                <a:alpha val="50000"/>
+              </a:srgbClr>
+            </a:outerShdw>
+          </a:effectLst>
+          <a:sp3d/>
+        </p:spPr>
+        <p:style>
+          <a:lnRef idx="0">
+            <a:scrgbClr r="0" g="0" b="0"/>
+          </a:lnRef>
+          <a:fillRef idx="0">
+            <a:scrgbClr r="0" g="0" b="0"/>
+          </a:fillRef>
+          <a:effectRef idx="0">
+            <a:scrgbClr r="0" g="0" b="0"/>
+          </a:effectRef>
+          <a:fontRef idx="none"/>
+        </p:style>
+        <p:txBody>
+          <a:bodyPr spcFirstLastPara="1" lIns="25380" tIns="25380" rIns="25380" bIns="25380" spcCol="19035" anchor="ctr"/>
+          <a:lstStyle/>
+          <a:p>
+            <a:pPr algn="ctr" defTabSz="412420" hangingPunct="0">
+              <a:defRPr/>
+            </a:pPr>
+            <a:r>
+              <a:rPr lang="zh-CN" altLang="en-US" sz="1600" dirty="0" smtClean="0">
+                <a:latin typeface="微软雅黑" panose="020B0503020204020204" pitchFamily="34" charset="-122"/>
+                <a:ea typeface="微软雅黑" panose="020B0503020204020204" pitchFamily="34" charset="-122"/>
+              </a:rPr>
+              <a:t>软件设计</a:t>
+            </a:r>
+            <a:endParaRPr lang="zh-CN" altLang="en-US" sz="1600" dirty="0">
+              <a:solidFill>
+                <a:schemeClr val="tx1"/>
+              </a:solidFill>
+              <a:latin typeface="微软雅黑" panose="020B0503020204020204" pitchFamily="34" charset="-122"/>
+              <a:ea typeface="微软雅黑" panose="020B0503020204020204" pitchFamily="34" charset="-122"/>
+            </a:endParaRPr>
+          </a:p>
+        </p:txBody>
+      </p:sp>
+      <p:cxnSp>
+        <p:nvCxnSpPr>
+          <p:cNvPr id="14" name="直接连接符 13"/>
+          <p:cNvCxnSpPr/>
+          <p:nvPr/>
+        </p:nvCxnSpPr>
+        <p:spPr>
+          <a:xfrm flipV="1">
+            <a:off x="0" y="530759"/>
+            <a:ext cx="9144000" cy="9331"/>
+          </a:xfrm>
+          <a:prstGeom prst="line">
+            <a:avLst/>
+          </a:prstGeom>
+        </p:spPr>
+        <p:style>
+          <a:lnRef idx="1">
+            <a:schemeClr val="dk1"/>
+          </a:lnRef>
+          <a:fillRef idx="0">
+            <a:schemeClr val="dk1"/>
+          </a:fillRef>
+          <a:effectRef idx="0">
+            <a:schemeClr val="dk1"/>
+          </a:effectRef>
+          <a:fontRef idx="minor">
+            <a:schemeClr val="tx1"/>
+          </a:fontRef>
+        </p:style>
+      </p:cxnSp>
+      <p:sp>
+        <p:nvSpPr>
+          <p:cNvPr id="13" name="燕尾形 12"/>
+          <p:cNvSpPr/>
+          <p:nvPr/>
+        </p:nvSpPr>
+        <p:spPr>
+          <a:xfrm>
+            <a:off x="4547886" y="80672"/>
+            <a:ext cx="1608290" cy="396000"/>
+          </a:xfrm>
+          <a:prstGeom prst="chevron">
+            <a:avLst/>
+          </a:prstGeom>
+          <a:solidFill>
+            <a:schemeClr val="tx2">
+              <a:lumMod val="20000"/>
+              <a:lumOff val="80000"/>
+            </a:schemeClr>
+          </a:solidFill>
+          <a:ln w="12700" cap="flat">
+            <a:noFill/>
+            <a:miter lim="400000"/>
+          </a:ln>
+          <a:effectLst>
+            <a:outerShdw blurRad="38100" dist="25400" dir="5400000" rotWithShape="0">
+              <a:srgbClr val="000000">
+                <a:alpha val="50000"/>
+              </a:srgbClr>
+            </a:outerShdw>
+          </a:effectLst>
+          <a:sp3d/>
+        </p:spPr>
+        <p:style>
+          <a:lnRef idx="0">
+            <a:scrgbClr r="0" g="0" b="0"/>
+          </a:lnRef>
+          <a:fillRef idx="0">
+            <a:scrgbClr r="0" g="0" b="0"/>
+          </a:fillRef>
+          <a:effectRef idx="0">
+            <a:scrgbClr r="0" g="0" b="0"/>
+          </a:effectRef>
+          <a:fontRef idx="none"/>
+        </p:style>
+        <p:txBody>
+          <a:bodyPr spcFirstLastPara="1" lIns="25380" tIns="25380" rIns="25380" bIns="25380" spcCol="19035" anchor="ctr"/>
+          <a:lstStyle/>
+          <a:p>
+            <a:pPr algn="ctr" defTabSz="412420" hangingPunct="0">
+              <a:defRPr/>
+            </a:pPr>
+            <a:r>
+              <a:rPr lang="zh-CN" altLang="en-US" sz="1600" dirty="0" smtClean="0">
+                <a:latin typeface="微软雅黑" panose="020B0503020204020204" pitchFamily="34" charset="-122"/>
+                <a:ea typeface="微软雅黑" panose="020B0503020204020204" pitchFamily="34" charset="-122"/>
+              </a:rPr>
+              <a:t>硬件设计</a:t>
+            </a:r>
+            <a:endParaRPr lang="zh-CN" altLang="en-US" sz="1600" dirty="0">
+              <a:solidFill>
+                <a:schemeClr val="tx1"/>
+              </a:solidFill>
+              <a:latin typeface="微软雅黑" panose="020B0503020204020204" pitchFamily="34" charset="-122"/>
+              <a:ea typeface="微软雅黑" panose="020B0503020204020204" pitchFamily="34" charset="-122"/>
+            </a:endParaRPr>
+          </a:p>
+        </p:txBody>
+      </p:sp>
+      <p:sp>
+        <p:nvSpPr>
+          <p:cNvPr id="16" name="燕尾形 15"/>
+          <p:cNvSpPr/>
+          <p:nvPr/>
+        </p:nvSpPr>
+        <p:spPr>
+          <a:xfrm>
+            <a:off x="7500214" y="80672"/>
+            <a:ext cx="1608290" cy="396000"/>
+          </a:xfrm>
+          <a:prstGeom prst="chevron">
+            <a:avLst/>
+          </a:prstGeom>
+          <a:solidFill>
+            <a:schemeClr val="tx2">
+              <a:lumMod val="20000"/>
+              <a:lumOff val="80000"/>
+            </a:schemeClr>
+          </a:solidFill>
+          <a:ln w="12700" cap="flat">
+            <a:noFill/>
+            <a:miter lim="400000"/>
+          </a:ln>
+          <a:effectLst>
+            <a:outerShdw blurRad="38100" dist="25400" dir="5400000" rotWithShape="0">
+              <a:srgbClr val="000000">
+                <a:alpha val="50000"/>
+              </a:srgbClr>
+            </a:outerShdw>
+          </a:effectLst>
+          <a:sp3d/>
+        </p:spPr>
+        <p:style>
+          <a:lnRef idx="0">
+            <a:scrgbClr r="0" g="0" b="0"/>
+          </a:lnRef>
+          <a:fillRef idx="0">
+            <a:scrgbClr r="0" g="0" b="0"/>
+          </a:fillRef>
+          <a:effectRef idx="0">
+            <a:scrgbClr r="0" g="0" b="0"/>
+          </a:effectRef>
+          <a:fontRef idx="none"/>
+        </p:style>
+        <p:txBody>
+          <a:bodyPr spcFirstLastPara="1" lIns="25380" tIns="25380" rIns="25380" bIns="25380" spcCol="19035" anchor="ctr"/>
+          <a:lstStyle/>
+          <a:p>
+            <a:pPr algn="ctr" defTabSz="412420" hangingPunct="0">
+              <a:defRPr/>
+            </a:pPr>
+            <a:r>
+              <a:rPr lang="zh-CN" altLang="en-US" sz="1600" dirty="0" smtClean="0">
+                <a:latin typeface="微软雅黑" panose="020B0503020204020204" pitchFamily="34" charset="-122"/>
+                <a:ea typeface="微软雅黑" panose="020B0503020204020204" pitchFamily="34" charset="-122"/>
+              </a:rPr>
+              <a:t>机构设计</a:t>
+            </a:r>
+            <a:endParaRPr lang="zh-CN" altLang="en-US" sz="1600" dirty="0">
+              <a:solidFill>
+                <a:schemeClr val="tx1"/>
+              </a:solidFill>
+              <a:latin typeface="微软雅黑" panose="020B0503020204020204" pitchFamily="34" charset="-122"/>
+              <a:ea typeface="微软雅黑" panose="020B0503020204020204" pitchFamily="34" charset="-122"/>
+            </a:endParaRPr>
+          </a:p>
+        </p:txBody>
+      </p:sp>
+      <p:sp>
+        <p:nvSpPr>
+          <p:cNvPr id="18" name="燕尾形 17"/>
+          <p:cNvSpPr/>
+          <p:nvPr/>
+        </p:nvSpPr>
+        <p:spPr>
+          <a:xfrm>
+            <a:off x="1595558" y="80672"/>
+            <a:ext cx="1608290" cy="396000"/>
+          </a:xfrm>
+          <a:prstGeom prst="chevron">
+            <a:avLst/>
+          </a:prstGeom>
+          <a:solidFill>
+            <a:schemeClr val="tx2">
+              <a:lumMod val="20000"/>
+              <a:lumOff val="80000"/>
+            </a:schemeClr>
+          </a:solidFill>
+          <a:ln w="12700" cap="flat">
+            <a:noFill/>
+            <a:miter lim="400000"/>
+          </a:ln>
+          <a:effectLst>
+            <a:outerShdw blurRad="38100" dist="25400" dir="5400000" rotWithShape="0">
+              <a:srgbClr val="000000">
+                <a:alpha val="50000"/>
+              </a:srgbClr>
+            </a:outerShdw>
+          </a:effectLst>
+          <a:sp3d/>
+        </p:spPr>
+        <p:style>
+          <a:lnRef idx="0">
+            <a:scrgbClr r="0" g="0" b="0"/>
+          </a:lnRef>
+          <a:fillRef idx="0">
+            <a:scrgbClr r="0" g="0" b="0"/>
+          </a:fillRef>
+          <a:effectRef idx="0">
+            <a:scrgbClr r="0" g="0" b="0"/>
+          </a:effectRef>
+          <a:fontRef idx="none"/>
+        </p:style>
+        <p:txBody>
+          <a:bodyPr spcFirstLastPara="1" lIns="25380" tIns="25380" rIns="25380" bIns="25380" spcCol="19035" anchor="ctr"/>
+          <a:lstStyle/>
+          <a:p>
+            <a:pPr algn="ctr" defTabSz="412420" hangingPunct="0">
+              <a:defRPr/>
+            </a:pPr>
+            <a:r>
+              <a:rPr lang="zh-CN" altLang="en-US" sz="1600" dirty="0" smtClean="0">
+                <a:latin typeface="微软雅黑" panose="020B0503020204020204" pitchFamily="34" charset="-122"/>
+                <a:ea typeface="微软雅黑" panose="020B0503020204020204" pitchFamily="34" charset="-122"/>
+              </a:rPr>
+              <a:t>功能介绍</a:t>
+            </a:r>
+            <a:endParaRPr lang="zh-CN" altLang="en-US" sz="1600" dirty="0">
+              <a:solidFill>
+                <a:schemeClr val="tx1"/>
+              </a:solidFill>
+              <a:latin typeface="微软雅黑" panose="020B0503020204020204" pitchFamily="34" charset="-122"/>
+              <a:ea typeface="微软雅黑" panose="020B0503020204020204" pitchFamily="34" charset="-122"/>
+            </a:endParaRPr>
+          </a:p>
+        </p:txBody>
+      </p:sp>
+      <p:sp>
+        <p:nvSpPr>
+          <p:cNvPr id="9" name="内容占位符 1"/>
+          <p:cNvSpPr txBox="1">
+            <a:spLocks/>
+          </p:cNvSpPr>
+          <p:nvPr/>
+        </p:nvSpPr>
+        <p:spPr>
+          <a:xfrm>
+            <a:off x="25152" y="592089"/>
+            <a:ext cx="2602632" cy="316631"/>
+          </a:xfrm>
+          <a:prstGeom prst="rect">
+            <a:avLst/>
+          </a:prstGeom>
+        </p:spPr>
+        <p:txBody>
+          <a:bodyPr vert="horz" lIns="91440" tIns="45720" rIns="91440" bIns="45720" rtlCol="0">
+            <a:normAutofit/>
+          </a:bodyPr>
+          <a:lstStyle>
+            <a:lvl1pPr marL="342900" indent="-342900" algn="l" defTabSz="914400" rtl="0" eaLnBrk="1" latinLnBrk="0" hangingPunct="1">
+              <a:spcBef>
+                <a:spcPct val="20000"/>
+              </a:spcBef>
+              <a:buFont typeface="Arial" panose="020B0604020202020204" pitchFamily="34" charset="0"/>
+              <a:buChar char="•"/>
+              <a:defRPr sz="3200" kern="1200">
+                <a:solidFill>
+                  <a:schemeClr val="tx1"/>
+                </a:solidFill>
+                <a:latin typeface="+mn-lt"/>
+                <a:ea typeface="+mn-ea"/>
+                <a:cs typeface="+mn-cs"/>
+              </a:defRPr>
+            </a:lvl1pPr>
+            <a:lvl2pPr marL="742950" indent="-285750" algn="l" defTabSz="914400" rtl="0" eaLnBrk="1" latinLnBrk="0" hangingPunct="1">
+              <a:spcBef>
+                <a:spcPct val="20000"/>
+              </a:spcBef>
+              <a:buFont typeface="Arial" panose="020B0604020202020204" pitchFamily="34" charset="0"/>
+              <a:buChar char="–"/>
+              <a:defRPr sz="2800" kern="1200">
+                <a:solidFill>
+                  <a:schemeClr val="tx1"/>
+                </a:solidFill>
+                <a:latin typeface="+mn-lt"/>
+                <a:ea typeface="+mn-ea"/>
+                <a:cs typeface="+mn-cs"/>
+              </a:defRPr>
+            </a:lvl2pPr>
+            <a:lvl3pPr marL="1143000" indent="-228600" algn="l" defTabSz="914400" rtl="0" eaLnBrk="1" latinLnBrk="0" hangingPunct="1">
+              <a:spcBef>
+                <a:spcPct val="20000"/>
+              </a:spcBef>
+              <a:buFont typeface="Arial" panose="020B0604020202020204" pitchFamily="34" charset="0"/>
+              <a:buChar char="•"/>
+              <a:defRPr sz="2400" kern="1200">
+                <a:solidFill>
+                  <a:schemeClr val="tx1"/>
+                </a:solidFill>
+                <a:latin typeface="+mn-lt"/>
+                <a:ea typeface="+mn-ea"/>
+                <a:cs typeface="+mn-cs"/>
+              </a:defRPr>
+            </a:lvl3pPr>
+            <a:lvl4pPr marL="1600200" indent="-228600" algn="l" defTabSz="914400" rtl="0" eaLnBrk="1" latinLnBrk="0" hangingPunct="1">
+              <a:spcBef>
+                <a:spcPct val="20000"/>
+              </a:spcBef>
+              <a:buFont typeface="Arial" panose="020B0604020202020204" pitchFamily="34" charset="0"/>
+              <a:buChar char="–"/>
+              <a:defRPr sz="2000" kern="1200">
+                <a:solidFill>
+                  <a:schemeClr val="tx1"/>
+                </a:solidFill>
+                <a:latin typeface="+mn-lt"/>
+                <a:ea typeface="+mn-ea"/>
+                <a:cs typeface="+mn-cs"/>
+              </a:defRPr>
+            </a:lvl4pPr>
+            <a:lvl5pPr marL="2057400" indent="-228600" algn="l" defTabSz="914400" rtl="0" eaLnBrk="1" latinLnBrk="0" hangingPunct="1">
+              <a:spcBef>
+                <a:spcPct val="20000"/>
+              </a:spcBef>
+              <a:buFont typeface="Arial" panose="020B0604020202020204" pitchFamily="34" charset="0"/>
+              <a:buChar char="»"/>
+              <a:defRPr sz="2000" kern="1200">
+                <a:solidFill>
+                  <a:schemeClr val="tx1"/>
+                </a:solidFill>
+                <a:latin typeface="+mn-lt"/>
+                <a:ea typeface="+mn-ea"/>
+                <a:cs typeface="+mn-cs"/>
+              </a:defRPr>
+            </a:lvl5pPr>
+            <a:lvl6pPr marL="2514600" indent="-228600" algn="l" defTabSz="914400" rtl="0" eaLnBrk="1" latinLnBrk="0" hangingPunct="1">
+              <a:spcBef>
+                <a:spcPct val="20000"/>
+              </a:spcBef>
+              <a:buFont typeface="Arial" panose="020B0604020202020204" pitchFamily="34" charset="0"/>
+              <a:buChar char="•"/>
+              <a:defRPr sz="2000" kern="1200">
+                <a:solidFill>
+                  <a:schemeClr val="tx1"/>
+                </a:solidFill>
+                <a:latin typeface="+mn-lt"/>
+                <a:ea typeface="+mn-ea"/>
+                <a:cs typeface="+mn-cs"/>
+              </a:defRPr>
+            </a:lvl6pPr>
+            <a:lvl7pPr marL="2971800" indent="-228600" algn="l" defTabSz="914400" rtl="0" eaLnBrk="1" latinLnBrk="0" hangingPunct="1">
+              <a:spcBef>
+                <a:spcPct val="20000"/>
+              </a:spcBef>
+              <a:buFont typeface="Arial" panose="020B0604020202020204" pitchFamily="34" charset="0"/>
+              <a:buChar char="•"/>
+              <a:defRPr sz="2000" kern="1200">
+                <a:solidFill>
+                  <a:schemeClr val="tx1"/>
+                </a:solidFill>
+                <a:latin typeface="+mn-lt"/>
+                <a:ea typeface="+mn-ea"/>
+                <a:cs typeface="+mn-cs"/>
+              </a:defRPr>
+            </a:lvl7pPr>
+            <a:lvl8pPr marL="3429000" indent="-228600" algn="l" defTabSz="914400" rtl="0" eaLnBrk="1" latinLnBrk="0" hangingPunct="1">
+              <a:spcBef>
+                <a:spcPct val="20000"/>
+              </a:spcBef>
+              <a:buFont typeface="Arial" panose="020B0604020202020204" pitchFamily="34" charset="0"/>
+              <a:buChar char="•"/>
+              <a:defRPr sz="2000" kern="1200">
+                <a:solidFill>
+                  <a:schemeClr val="tx1"/>
+                </a:solidFill>
+                <a:latin typeface="+mn-lt"/>
+                <a:ea typeface="+mn-ea"/>
+                <a:cs typeface="+mn-cs"/>
+              </a:defRPr>
+            </a:lvl8pPr>
+            <a:lvl9pPr marL="3886200" indent="-228600" algn="l" defTabSz="914400" rtl="0" eaLnBrk="1" latinLnBrk="0" hangingPunct="1">
+              <a:spcBef>
+                <a:spcPct val="20000"/>
+              </a:spcBef>
+              <a:buFont typeface="Arial" panose="020B0604020202020204" pitchFamily="34" charset="0"/>
+              <a:buChar char="•"/>
+              <a:defRPr sz="2000" kern="1200">
+                <a:solidFill>
+                  <a:schemeClr val="tx1"/>
+                </a:solidFill>
+                <a:latin typeface="+mn-lt"/>
+                <a:ea typeface="+mn-ea"/>
+                <a:cs typeface="+mn-cs"/>
+              </a:defRPr>
+            </a:lvl9pPr>
+          </a:lstStyle>
+          <a:p>
+            <a:pPr marL="0" indent="0">
+              <a:buFont typeface="Arial" panose="020B0604020202020204" pitchFamily="34" charset="0"/>
+              <a:buNone/>
+            </a:pPr>
+            <a:r>
+              <a:rPr lang="en-US" altLang="zh-CN" sz="1400" dirty="0" smtClean="0"/>
+              <a:t>1.1APU</a:t>
+            </a:r>
+            <a:r>
+              <a:rPr lang="zh-CN" altLang="en-US" sz="1400" dirty="0" smtClean="0"/>
+              <a:t>系统组成</a:t>
+            </a:r>
+            <a:endParaRPr lang="zh-CN" altLang="en-US" sz="1400" dirty="0"/>
+          </a:p>
+        </p:txBody>
+      </p:sp>
+      <p:pic>
+        <p:nvPicPr>
+          <p:cNvPr id="1026" name="Picture 2" descr="E:\XY兴云新能源\XY企管-JQ\14GitHub\VAD01\01需求分析\docs\quickstart\images\Car_Sideview.png"/>
+          <p:cNvPicPr>
+            <a:picLocks noChangeAspect="1" noChangeArrowheads="1"/>
+          </p:cNvPicPr>
+          <p:nvPr/>
+        </p:nvPicPr>
+        <p:blipFill>
+          <a:blip r:embed="rId2" cstate="print">
+            <a:extLst>
+              <a:ext uri="{28A0092B-C50C-407E-A947-70E740481C1C}">
+                <a14:useLocalDpi xmlns:a14="http://schemas.microsoft.com/office/drawing/2010/main" val="0"/>
+              </a:ext>
+            </a:extLst>
+          </a:blip>
+          <a:srcRect/>
+          <a:stretch>
+            <a:fillRect/>
+          </a:stretch>
+        </p:blipFill>
+        <p:spPr bwMode="auto">
+          <a:xfrm>
+            <a:off x="3863977" y="670996"/>
+            <a:ext cx="5112568" cy="2192640"/>
+          </a:xfrm>
+          <a:prstGeom prst="rect">
+            <a:avLst/>
+          </a:prstGeom>
+          <a:noFill/>
+          <a:extLst>
+            <a:ext uri="{909E8E84-426E-40DD-AFC4-6F175D3DCCD1}">
+              <a14:hiddenFill xmlns:a14="http://schemas.microsoft.com/office/drawing/2010/main">
+                <a:solidFill>
+                  <a:srgbClr val="FFFFFF"/>
+                </a:solidFill>
+              </a14:hiddenFill>
+            </a:ext>
+          </a:extLst>
+        </p:spPr>
+      </p:pic>
+      <p:pic>
+        <p:nvPicPr>
+          <p:cNvPr id="2" name="Picture 2" descr="Apollo_2_0_Software_Arch"/>
+          <p:cNvPicPr>
+            <a:picLocks noChangeAspect="1" noChangeArrowheads="1"/>
+          </p:cNvPicPr>
+          <p:nvPr/>
+        </p:nvPicPr>
+        <p:blipFill>
+          <a:blip r:embed="rId3" cstate="print">
+            <a:extLst>
+              <a:ext uri="{28A0092B-C50C-407E-A947-70E740481C1C}">
+                <a14:useLocalDpi xmlns:a14="http://schemas.microsoft.com/office/drawing/2010/main" val="0"/>
+              </a:ext>
+            </a:extLst>
+          </a:blip>
+          <a:srcRect/>
+          <a:stretch>
+            <a:fillRect/>
+          </a:stretch>
+        </p:blipFill>
+        <p:spPr bwMode="auto">
+          <a:xfrm>
+            <a:off x="251520" y="930976"/>
+            <a:ext cx="3438525" cy="1933575"/>
+          </a:xfrm>
+          <a:prstGeom prst="rect">
+            <a:avLst/>
+          </a:prstGeom>
+          <a:noFill/>
+          <a:extLst>
+            <a:ext uri="{909E8E84-426E-40DD-AFC4-6F175D3DCCD1}">
+              <a14:hiddenFill xmlns:a14="http://schemas.microsoft.com/office/drawing/2010/main">
+                <a:solidFill>
+                  <a:srgbClr val="FFFFFF"/>
+                </a:solidFill>
+              </a14:hiddenFill>
+            </a:ext>
+          </a:extLst>
+        </p:spPr>
+      </p:pic>
+    </p:spTree>
+    <p:extLst>
+      <p:ext uri="{BB962C8B-B14F-4D97-AF65-F5344CB8AC3E}">
+        <p14:creationId xmlns:p14="http://schemas.microsoft.com/office/powerpoint/2010/main" val="1176523528"/>
+      </p:ext>
+    </p:extLst>
+  </p:cSld>
+  <p:clrMapOvr>
+    <a:masterClrMapping/>
+  </p:clrMapOvr>
+</p:sld>
+</file>
+
+<file path=ppt/slides/slide20.xml><?xml version="1.0" encoding="utf-8"?>
 <p:sld xmlns:a="http://schemas.openxmlformats.org/drawingml/2006/main" xmlns:r="http://schemas.openxmlformats.org/officeDocument/2006/relationships" xmlns:p="http://schemas.openxmlformats.org/presentationml/2006/main">
   <p:cSld>
     <p:spTree>
@@ -25507,745 +27580,7 @@
 </p:sld>
 </file>
 
-<file path=ppt/slides/slide2.xml><?xml version="1.0" encoding="utf-8"?>
-<p:sld xmlns:a="http://schemas.openxmlformats.org/drawingml/2006/main" xmlns:r="http://schemas.openxmlformats.org/officeDocument/2006/relationships" xmlns:p="http://schemas.openxmlformats.org/presentationml/2006/main">
-  <p:cSld>
-    <p:spTree>
-      <p:nvGrpSpPr>
-        <p:cNvPr id="1" name=""/>
-        <p:cNvGrpSpPr/>
-        <p:nvPr/>
-      </p:nvGrpSpPr>
-      <p:grpSpPr>
-        <a:xfrm>
-          <a:off x="0" y="0"/>
-          <a:ext cx="0" cy="0"/>
-          <a:chOff x="0" y="0"/>
-          <a:chExt cx="0" cy="0"/>
-        </a:xfrm>
-      </p:grpSpPr>
-      <p:sp>
-        <p:nvSpPr>
-          <p:cNvPr id="5" name="五边形 4"/>
-          <p:cNvSpPr/>
-          <p:nvPr/>
-        </p:nvSpPr>
-        <p:spPr>
-          <a:xfrm>
-            <a:off x="107504" y="80672"/>
-            <a:ext cx="1608290" cy="396000"/>
-          </a:xfrm>
-          <a:prstGeom prst="homePlate">
-            <a:avLst/>
-          </a:prstGeom>
-          <a:solidFill>
-            <a:schemeClr val="accent4">
-              <a:lumMod val="40000"/>
-              <a:lumOff val="60000"/>
-            </a:schemeClr>
-          </a:solidFill>
-          <a:ln w="12700" cap="flat">
-            <a:noFill/>
-            <a:miter lim="400000"/>
-          </a:ln>
-          <a:effectLst>
-            <a:outerShdw blurRad="38100" dist="25400" dir="5400000" rotWithShape="0">
-              <a:srgbClr val="000000">
-                <a:alpha val="50000"/>
-              </a:srgbClr>
-            </a:outerShdw>
-          </a:effectLst>
-          <a:sp3d/>
-        </p:spPr>
-        <p:style>
-          <a:lnRef idx="0">
-            <a:scrgbClr r="0" g="0" b="0"/>
-          </a:lnRef>
-          <a:fillRef idx="0">
-            <a:scrgbClr r="0" g="0" b="0"/>
-          </a:fillRef>
-          <a:effectRef idx="0">
-            <a:scrgbClr r="0" g="0" b="0"/>
-          </a:effectRef>
-          <a:fontRef idx="none"/>
-        </p:style>
-        <p:txBody>
-          <a:bodyPr spcFirstLastPara="1" lIns="25380" tIns="25380" rIns="25380" bIns="25380" spcCol="19035" anchor="ctr"/>
-          <a:lstStyle/>
-          <a:p>
-            <a:pPr algn="ctr" defTabSz="412420" hangingPunct="0">
-              <a:defRPr/>
-            </a:pPr>
-            <a:r>
-              <a:rPr lang="zh-CN" altLang="en-US" sz="1600" b="1" dirty="0" smtClean="0">
-                <a:latin typeface="微软雅黑" panose="020B0503020204020204" pitchFamily="34" charset="-122"/>
-                <a:ea typeface="微软雅黑" panose="020B0503020204020204" pitchFamily="34" charset="-122"/>
-              </a:rPr>
-              <a:t>系统架构</a:t>
-            </a:r>
-            <a:endParaRPr lang="zh-CN" altLang="en-US" sz="1600" b="1" dirty="0">
-              <a:solidFill>
-                <a:schemeClr val="tx1"/>
-              </a:solidFill>
-              <a:latin typeface="微软雅黑" panose="020B0503020204020204" pitchFamily="34" charset="-122"/>
-              <a:ea typeface="微软雅黑" panose="020B0503020204020204" pitchFamily="34" charset="-122"/>
-            </a:endParaRPr>
-          </a:p>
-        </p:txBody>
-      </p:sp>
-      <p:sp>
-        <p:nvSpPr>
-          <p:cNvPr id="6" name="燕尾形 5"/>
-          <p:cNvSpPr/>
-          <p:nvPr/>
-        </p:nvSpPr>
-        <p:spPr>
-          <a:xfrm>
-            <a:off x="3059832" y="80672"/>
-            <a:ext cx="1608290" cy="396000"/>
-          </a:xfrm>
-          <a:prstGeom prst="chevron">
-            <a:avLst/>
-          </a:prstGeom>
-          <a:solidFill>
-            <a:schemeClr val="tx2">
-              <a:lumMod val="20000"/>
-              <a:lumOff val="80000"/>
-            </a:schemeClr>
-          </a:solidFill>
-          <a:ln w="12700" cap="flat">
-            <a:noFill/>
-            <a:miter lim="400000"/>
-          </a:ln>
-          <a:effectLst>
-            <a:outerShdw blurRad="38100" dist="25400" dir="5400000" rotWithShape="0">
-              <a:srgbClr val="000000">
-                <a:alpha val="50000"/>
-              </a:srgbClr>
-            </a:outerShdw>
-          </a:effectLst>
-          <a:sp3d/>
-        </p:spPr>
-        <p:style>
-          <a:lnRef idx="0">
-            <a:scrgbClr r="0" g="0" b="0"/>
-          </a:lnRef>
-          <a:fillRef idx="0">
-            <a:scrgbClr r="0" g="0" b="0"/>
-          </a:fillRef>
-          <a:effectRef idx="0">
-            <a:scrgbClr r="0" g="0" b="0"/>
-          </a:effectRef>
-          <a:fontRef idx="none"/>
-        </p:style>
-        <p:txBody>
-          <a:bodyPr spcFirstLastPara="1" lIns="25380" tIns="25380" rIns="25380" bIns="25380" spcCol="19035" anchor="ctr"/>
-          <a:lstStyle/>
-          <a:p>
-            <a:pPr algn="ctr" defTabSz="412420" hangingPunct="0">
-              <a:defRPr/>
-            </a:pPr>
-            <a:r>
-              <a:rPr lang="zh-CN" altLang="en-US" sz="1600" dirty="0">
-                <a:latin typeface="微软雅黑" panose="020B0503020204020204" pitchFamily="34" charset="-122"/>
-                <a:ea typeface="微软雅黑" panose="020B0503020204020204" pitchFamily="34" charset="-122"/>
-              </a:rPr>
-              <a:t>关联</a:t>
-            </a:r>
-            <a:r>
-              <a:rPr lang="zh-CN" altLang="en-US" sz="1600" dirty="0" smtClean="0">
-                <a:latin typeface="微软雅黑" panose="020B0503020204020204" pitchFamily="34" charset="-122"/>
-                <a:ea typeface="微软雅黑" panose="020B0503020204020204" pitchFamily="34" charset="-122"/>
-              </a:rPr>
-              <a:t>部件</a:t>
-            </a:r>
-            <a:endParaRPr lang="zh-CN" altLang="en-US" sz="1600" dirty="0">
-              <a:solidFill>
-                <a:schemeClr val="tx1"/>
-              </a:solidFill>
-              <a:latin typeface="微软雅黑" panose="020B0503020204020204" pitchFamily="34" charset="-122"/>
-              <a:ea typeface="微软雅黑" panose="020B0503020204020204" pitchFamily="34" charset="-122"/>
-            </a:endParaRPr>
-          </a:p>
-        </p:txBody>
-      </p:sp>
-      <p:sp>
-        <p:nvSpPr>
-          <p:cNvPr id="8" name="燕尾形 7"/>
-          <p:cNvSpPr/>
-          <p:nvPr/>
-        </p:nvSpPr>
-        <p:spPr>
-          <a:xfrm>
-            <a:off x="6012160" y="80672"/>
-            <a:ext cx="1608290" cy="396000"/>
-          </a:xfrm>
-          <a:prstGeom prst="chevron">
-            <a:avLst/>
-          </a:prstGeom>
-          <a:solidFill>
-            <a:schemeClr val="tx2">
-              <a:lumMod val="20000"/>
-              <a:lumOff val="80000"/>
-            </a:schemeClr>
-          </a:solidFill>
-          <a:ln w="12700" cap="flat">
-            <a:noFill/>
-            <a:miter lim="400000"/>
-          </a:ln>
-          <a:effectLst>
-            <a:outerShdw blurRad="38100" dist="25400" dir="5400000" rotWithShape="0">
-              <a:srgbClr val="000000">
-                <a:alpha val="50000"/>
-              </a:srgbClr>
-            </a:outerShdw>
-          </a:effectLst>
-          <a:sp3d/>
-        </p:spPr>
-        <p:style>
-          <a:lnRef idx="0">
-            <a:scrgbClr r="0" g="0" b="0"/>
-          </a:lnRef>
-          <a:fillRef idx="0">
-            <a:scrgbClr r="0" g="0" b="0"/>
-          </a:fillRef>
-          <a:effectRef idx="0">
-            <a:scrgbClr r="0" g="0" b="0"/>
-          </a:effectRef>
-          <a:fontRef idx="none"/>
-        </p:style>
-        <p:txBody>
-          <a:bodyPr spcFirstLastPara="1" lIns="25380" tIns="25380" rIns="25380" bIns="25380" spcCol="19035" anchor="ctr"/>
-          <a:lstStyle/>
-          <a:p>
-            <a:pPr algn="ctr" defTabSz="412420" hangingPunct="0">
-              <a:defRPr/>
-            </a:pPr>
-            <a:r>
-              <a:rPr lang="zh-CN" altLang="en-US" sz="1600" dirty="0" smtClean="0">
-                <a:latin typeface="微软雅黑" panose="020B0503020204020204" pitchFamily="34" charset="-122"/>
-                <a:ea typeface="微软雅黑" panose="020B0503020204020204" pitchFamily="34" charset="-122"/>
-              </a:rPr>
-              <a:t>软件设计</a:t>
-            </a:r>
-            <a:endParaRPr lang="zh-CN" altLang="en-US" sz="1600" dirty="0">
-              <a:solidFill>
-                <a:schemeClr val="tx1"/>
-              </a:solidFill>
-              <a:latin typeface="微软雅黑" panose="020B0503020204020204" pitchFamily="34" charset="-122"/>
-              <a:ea typeface="微软雅黑" panose="020B0503020204020204" pitchFamily="34" charset="-122"/>
-            </a:endParaRPr>
-          </a:p>
-        </p:txBody>
-      </p:sp>
-      <p:cxnSp>
-        <p:nvCxnSpPr>
-          <p:cNvPr id="14" name="直接连接符 13"/>
-          <p:cNvCxnSpPr/>
-          <p:nvPr/>
-        </p:nvCxnSpPr>
-        <p:spPr>
-          <a:xfrm flipV="1">
-            <a:off x="0" y="530759"/>
-            <a:ext cx="9144000" cy="9331"/>
-          </a:xfrm>
-          <a:prstGeom prst="line">
-            <a:avLst/>
-          </a:prstGeom>
-        </p:spPr>
-        <p:style>
-          <a:lnRef idx="1">
-            <a:schemeClr val="dk1"/>
-          </a:lnRef>
-          <a:fillRef idx="0">
-            <a:schemeClr val="dk1"/>
-          </a:fillRef>
-          <a:effectRef idx="0">
-            <a:schemeClr val="dk1"/>
-          </a:effectRef>
-          <a:fontRef idx="minor">
-            <a:schemeClr val="tx1"/>
-          </a:fontRef>
-        </p:style>
-      </p:cxnSp>
-      <p:sp>
-        <p:nvSpPr>
-          <p:cNvPr id="13" name="燕尾形 12"/>
-          <p:cNvSpPr/>
-          <p:nvPr/>
-        </p:nvSpPr>
-        <p:spPr>
-          <a:xfrm>
-            <a:off x="4547886" y="80672"/>
-            <a:ext cx="1608290" cy="396000"/>
-          </a:xfrm>
-          <a:prstGeom prst="chevron">
-            <a:avLst/>
-          </a:prstGeom>
-          <a:solidFill>
-            <a:schemeClr val="tx2">
-              <a:lumMod val="20000"/>
-              <a:lumOff val="80000"/>
-            </a:schemeClr>
-          </a:solidFill>
-          <a:ln w="12700" cap="flat">
-            <a:noFill/>
-            <a:miter lim="400000"/>
-          </a:ln>
-          <a:effectLst>
-            <a:outerShdw blurRad="38100" dist="25400" dir="5400000" rotWithShape="0">
-              <a:srgbClr val="000000">
-                <a:alpha val="50000"/>
-              </a:srgbClr>
-            </a:outerShdw>
-          </a:effectLst>
-          <a:sp3d/>
-        </p:spPr>
-        <p:style>
-          <a:lnRef idx="0">
-            <a:scrgbClr r="0" g="0" b="0"/>
-          </a:lnRef>
-          <a:fillRef idx="0">
-            <a:scrgbClr r="0" g="0" b="0"/>
-          </a:fillRef>
-          <a:effectRef idx="0">
-            <a:scrgbClr r="0" g="0" b="0"/>
-          </a:effectRef>
-          <a:fontRef idx="none"/>
-        </p:style>
-        <p:txBody>
-          <a:bodyPr spcFirstLastPara="1" lIns="25380" tIns="25380" rIns="25380" bIns="25380" spcCol="19035" anchor="ctr"/>
-          <a:lstStyle/>
-          <a:p>
-            <a:pPr algn="ctr" defTabSz="412420" hangingPunct="0">
-              <a:defRPr/>
-            </a:pPr>
-            <a:r>
-              <a:rPr lang="zh-CN" altLang="en-US" sz="1600" dirty="0" smtClean="0">
-                <a:latin typeface="微软雅黑" panose="020B0503020204020204" pitchFamily="34" charset="-122"/>
-                <a:ea typeface="微软雅黑" panose="020B0503020204020204" pitchFamily="34" charset="-122"/>
-              </a:rPr>
-              <a:t>硬件设计</a:t>
-            </a:r>
-            <a:endParaRPr lang="zh-CN" altLang="en-US" sz="1600" dirty="0">
-              <a:solidFill>
-                <a:schemeClr val="tx1"/>
-              </a:solidFill>
-              <a:latin typeface="微软雅黑" panose="020B0503020204020204" pitchFamily="34" charset="-122"/>
-              <a:ea typeface="微软雅黑" panose="020B0503020204020204" pitchFamily="34" charset="-122"/>
-            </a:endParaRPr>
-          </a:p>
-        </p:txBody>
-      </p:sp>
-      <p:sp>
-        <p:nvSpPr>
-          <p:cNvPr id="16" name="燕尾形 15"/>
-          <p:cNvSpPr/>
-          <p:nvPr/>
-        </p:nvSpPr>
-        <p:spPr>
-          <a:xfrm>
-            <a:off x="7500214" y="80672"/>
-            <a:ext cx="1608290" cy="396000"/>
-          </a:xfrm>
-          <a:prstGeom prst="chevron">
-            <a:avLst/>
-          </a:prstGeom>
-          <a:solidFill>
-            <a:schemeClr val="tx2">
-              <a:lumMod val="20000"/>
-              <a:lumOff val="80000"/>
-            </a:schemeClr>
-          </a:solidFill>
-          <a:ln w="12700" cap="flat">
-            <a:noFill/>
-            <a:miter lim="400000"/>
-          </a:ln>
-          <a:effectLst>
-            <a:outerShdw blurRad="38100" dist="25400" dir="5400000" rotWithShape="0">
-              <a:srgbClr val="000000">
-                <a:alpha val="50000"/>
-              </a:srgbClr>
-            </a:outerShdw>
-          </a:effectLst>
-          <a:sp3d/>
-        </p:spPr>
-        <p:style>
-          <a:lnRef idx="0">
-            <a:scrgbClr r="0" g="0" b="0"/>
-          </a:lnRef>
-          <a:fillRef idx="0">
-            <a:scrgbClr r="0" g="0" b="0"/>
-          </a:fillRef>
-          <a:effectRef idx="0">
-            <a:scrgbClr r="0" g="0" b="0"/>
-          </a:effectRef>
-          <a:fontRef idx="none"/>
-        </p:style>
-        <p:txBody>
-          <a:bodyPr spcFirstLastPara="1" lIns="25380" tIns="25380" rIns="25380" bIns="25380" spcCol="19035" anchor="ctr"/>
-          <a:lstStyle/>
-          <a:p>
-            <a:pPr algn="ctr" defTabSz="412420" hangingPunct="0">
-              <a:defRPr/>
-            </a:pPr>
-            <a:r>
-              <a:rPr lang="zh-CN" altLang="en-US" sz="1600" dirty="0" smtClean="0">
-                <a:latin typeface="微软雅黑" panose="020B0503020204020204" pitchFamily="34" charset="-122"/>
-                <a:ea typeface="微软雅黑" panose="020B0503020204020204" pitchFamily="34" charset="-122"/>
-              </a:rPr>
-              <a:t>机构设计</a:t>
-            </a:r>
-            <a:endParaRPr lang="zh-CN" altLang="en-US" sz="1600" dirty="0">
-              <a:solidFill>
-                <a:schemeClr val="tx1"/>
-              </a:solidFill>
-              <a:latin typeface="微软雅黑" panose="020B0503020204020204" pitchFamily="34" charset="-122"/>
-              <a:ea typeface="微软雅黑" panose="020B0503020204020204" pitchFamily="34" charset="-122"/>
-            </a:endParaRPr>
-          </a:p>
-        </p:txBody>
-      </p:sp>
-      <p:sp>
-        <p:nvSpPr>
-          <p:cNvPr id="18" name="燕尾形 17"/>
-          <p:cNvSpPr/>
-          <p:nvPr/>
-        </p:nvSpPr>
-        <p:spPr>
-          <a:xfrm>
-            <a:off x="1595558" y="80672"/>
-            <a:ext cx="1608290" cy="396000"/>
-          </a:xfrm>
-          <a:prstGeom prst="chevron">
-            <a:avLst/>
-          </a:prstGeom>
-          <a:solidFill>
-            <a:schemeClr val="tx2">
-              <a:lumMod val="20000"/>
-              <a:lumOff val="80000"/>
-            </a:schemeClr>
-          </a:solidFill>
-          <a:ln w="12700" cap="flat">
-            <a:noFill/>
-            <a:miter lim="400000"/>
-          </a:ln>
-          <a:effectLst>
-            <a:outerShdw blurRad="38100" dist="25400" dir="5400000" rotWithShape="0">
-              <a:srgbClr val="000000">
-                <a:alpha val="50000"/>
-              </a:srgbClr>
-            </a:outerShdw>
-          </a:effectLst>
-          <a:sp3d/>
-        </p:spPr>
-        <p:style>
-          <a:lnRef idx="0">
-            <a:scrgbClr r="0" g="0" b="0"/>
-          </a:lnRef>
-          <a:fillRef idx="0">
-            <a:scrgbClr r="0" g="0" b="0"/>
-          </a:fillRef>
-          <a:effectRef idx="0">
-            <a:scrgbClr r="0" g="0" b="0"/>
-          </a:effectRef>
-          <a:fontRef idx="none"/>
-        </p:style>
-        <p:txBody>
-          <a:bodyPr spcFirstLastPara="1" lIns="25380" tIns="25380" rIns="25380" bIns="25380" spcCol="19035" anchor="ctr"/>
-          <a:lstStyle/>
-          <a:p>
-            <a:pPr algn="ctr" defTabSz="412420" hangingPunct="0">
-              <a:defRPr/>
-            </a:pPr>
-            <a:r>
-              <a:rPr lang="zh-CN" altLang="en-US" sz="1600" dirty="0" smtClean="0">
-                <a:latin typeface="微软雅黑" panose="020B0503020204020204" pitchFamily="34" charset="-122"/>
-                <a:ea typeface="微软雅黑" panose="020B0503020204020204" pitchFamily="34" charset="-122"/>
-              </a:rPr>
-              <a:t>功能介绍</a:t>
-            </a:r>
-            <a:endParaRPr lang="zh-CN" altLang="en-US" sz="1600" dirty="0">
-              <a:solidFill>
-                <a:schemeClr val="tx1"/>
-              </a:solidFill>
-              <a:latin typeface="微软雅黑" panose="020B0503020204020204" pitchFamily="34" charset="-122"/>
-              <a:ea typeface="微软雅黑" panose="020B0503020204020204" pitchFamily="34" charset="-122"/>
-            </a:endParaRPr>
-          </a:p>
-        </p:txBody>
-      </p:sp>
-      <p:sp>
-        <p:nvSpPr>
-          <p:cNvPr id="9" name="内容占位符 1"/>
-          <p:cNvSpPr txBox="1">
-            <a:spLocks/>
-          </p:cNvSpPr>
-          <p:nvPr/>
-        </p:nvSpPr>
-        <p:spPr>
-          <a:xfrm>
-            <a:off x="25152" y="592089"/>
-            <a:ext cx="2602632" cy="316631"/>
-          </a:xfrm>
-          <a:prstGeom prst="rect">
-            <a:avLst/>
-          </a:prstGeom>
-        </p:spPr>
-        <p:txBody>
-          <a:bodyPr vert="horz" lIns="91440" tIns="45720" rIns="91440" bIns="45720" rtlCol="0">
-            <a:normAutofit/>
-          </a:bodyPr>
-          <a:lstStyle>
-            <a:lvl1pPr marL="342900" indent="-342900" algn="l" defTabSz="914400" rtl="0" eaLnBrk="1" latinLnBrk="0" hangingPunct="1">
-              <a:spcBef>
-                <a:spcPct val="20000"/>
-              </a:spcBef>
-              <a:buFont typeface="Arial" panose="020B0604020202020204" pitchFamily="34" charset="0"/>
-              <a:buChar char="•"/>
-              <a:defRPr sz="3200" kern="1200">
-                <a:solidFill>
-                  <a:schemeClr val="tx1"/>
-                </a:solidFill>
-                <a:latin typeface="+mn-lt"/>
-                <a:ea typeface="+mn-ea"/>
-                <a:cs typeface="+mn-cs"/>
-              </a:defRPr>
-            </a:lvl1pPr>
-            <a:lvl2pPr marL="742950" indent="-285750" algn="l" defTabSz="914400" rtl="0" eaLnBrk="1" latinLnBrk="0" hangingPunct="1">
-              <a:spcBef>
-                <a:spcPct val="20000"/>
-              </a:spcBef>
-              <a:buFont typeface="Arial" panose="020B0604020202020204" pitchFamily="34" charset="0"/>
-              <a:buChar char="–"/>
-              <a:defRPr sz="2800" kern="1200">
-                <a:solidFill>
-                  <a:schemeClr val="tx1"/>
-                </a:solidFill>
-                <a:latin typeface="+mn-lt"/>
-                <a:ea typeface="+mn-ea"/>
-                <a:cs typeface="+mn-cs"/>
-              </a:defRPr>
-            </a:lvl2pPr>
-            <a:lvl3pPr marL="1143000" indent="-228600" algn="l" defTabSz="914400" rtl="0" eaLnBrk="1" latinLnBrk="0" hangingPunct="1">
-              <a:spcBef>
-                <a:spcPct val="20000"/>
-              </a:spcBef>
-              <a:buFont typeface="Arial" panose="020B0604020202020204" pitchFamily="34" charset="0"/>
-              <a:buChar char="•"/>
-              <a:defRPr sz="2400" kern="1200">
-                <a:solidFill>
-                  <a:schemeClr val="tx1"/>
-                </a:solidFill>
-                <a:latin typeface="+mn-lt"/>
-                <a:ea typeface="+mn-ea"/>
-                <a:cs typeface="+mn-cs"/>
-              </a:defRPr>
-            </a:lvl3pPr>
-            <a:lvl4pPr marL="1600200" indent="-228600" algn="l" defTabSz="914400" rtl="0" eaLnBrk="1" latinLnBrk="0" hangingPunct="1">
-              <a:spcBef>
-                <a:spcPct val="20000"/>
-              </a:spcBef>
-              <a:buFont typeface="Arial" panose="020B0604020202020204" pitchFamily="34" charset="0"/>
-              <a:buChar char="–"/>
-              <a:defRPr sz="2000" kern="1200">
-                <a:solidFill>
-                  <a:schemeClr val="tx1"/>
-                </a:solidFill>
-                <a:latin typeface="+mn-lt"/>
-                <a:ea typeface="+mn-ea"/>
-                <a:cs typeface="+mn-cs"/>
-              </a:defRPr>
-            </a:lvl4pPr>
-            <a:lvl5pPr marL="2057400" indent="-228600" algn="l" defTabSz="914400" rtl="0" eaLnBrk="1" latinLnBrk="0" hangingPunct="1">
-              <a:spcBef>
-                <a:spcPct val="20000"/>
-              </a:spcBef>
-              <a:buFont typeface="Arial" panose="020B0604020202020204" pitchFamily="34" charset="0"/>
-              <a:buChar char="»"/>
-              <a:defRPr sz="2000" kern="1200">
-                <a:solidFill>
-                  <a:schemeClr val="tx1"/>
-                </a:solidFill>
-                <a:latin typeface="+mn-lt"/>
-                <a:ea typeface="+mn-ea"/>
-                <a:cs typeface="+mn-cs"/>
-              </a:defRPr>
-            </a:lvl5pPr>
-            <a:lvl6pPr marL="2514600" indent="-228600" algn="l" defTabSz="914400" rtl="0" eaLnBrk="1" latinLnBrk="0" hangingPunct="1">
-              <a:spcBef>
-                <a:spcPct val="20000"/>
-              </a:spcBef>
-              <a:buFont typeface="Arial" panose="020B0604020202020204" pitchFamily="34" charset="0"/>
-              <a:buChar char="•"/>
-              <a:defRPr sz="2000" kern="1200">
-                <a:solidFill>
-                  <a:schemeClr val="tx1"/>
-                </a:solidFill>
-                <a:latin typeface="+mn-lt"/>
-                <a:ea typeface="+mn-ea"/>
-                <a:cs typeface="+mn-cs"/>
-              </a:defRPr>
-            </a:lvl6pPr>
-            <a:lvl7pPr marL="2971800" indent="-228600" algn="l" defTabSz="914400" rtl="0" eaLnBrk="1" latinLnBrk="0" hangingPunct="1">
-              <a:spcBef>
-                <a:spcPct val="20000"/>
-              </a:spcBef>
-              <a:buFont typeface="Arial" panose="020B0604020202020204" pitchFamily="34" charset="0"/>
-              <a:buChar char="•"/>
-              <a:defRPr sz="2000" kern="1200">
-                <a:solidFill>
-                  <a:schemeClr val="tx1"/>
-                </a:solidFill>
-                <a:latin typeface="+mn-lt"/>
-                <a:ea typeface="+mn-ea"/>
-                <a:cs typeface="+mn-cs"/>
-              </a:defRPr>
-            </a:lvl7pPr>
-            <a:lvl8pPr marL="3429000" indent="-228600" algn="l" defTabSz="914400" rtl="0" eaLnBrk="1" latinLnBrk="0" hangingPunct="1">
-              <a:spcBef>
-                <a:spcPct val="20000"/>
-              </a:spcBef>
-              <a:buFont typeface="Arial" panose="020B0604020202020204" pitchFamily="34" charset="0"/>
-              <a:buChar char="•"/>
-              <a:defRPr sz="2000" kern="1200">
-                <a:solidFill>
-                  <a:schemeClr val="tx1"/>
-                </a:solidFill>
-                <a:latin typeface="+mn-lt"/>
-                <a:ea typeface="+mn-ea"/>
-                <a:cs typeface="+mn-cs"/>
-              </a:defRPr>
-            </a:lvl8pPr>
-            <a:lvl9pPr marL="3886200" indent="-228600" algn="l" defTabSz="914400" rtl="0" eaLnBrk="1" latinLnBrk="0" hangingPunct="1">
-              <a:spcBef>
-                <a:spcPct val="20000"/>
-              </a:spcBef>
-              <a:buFont typeface="Arial" panose="020B0604020202020204" pitchFamily="34" charset="0"/>
-              <a:buChar char="•"/>
-              <a:defRPr sz="2000" kern="1200">
-                <a:solidFill>
-                  <a:schemeClr val="tx1"/>
-                </a:solidFill>
-                <a:latin typeface="+mn-lt"/>
-                <a:ea typeface="+mn-ea"/>
-                <a:cs typeface="+mn-cs"/>
-              </a:defRPr>
-            </a:lvl9pPr>
-          </a:lstStyle>
-          <a:p>
-            <a:pPr marL="0" indent="0">
-              <a:buFont typeface="Arial" panose="020B0604020202020204" pitchFamily="34" charset="0"/>
-              <a:buNone/>
-            </a:pPr>
-            <a:r>
-              <a:rPr lang="en-US" altLang="zh-CN" sz="1400" dirty="0" smtClean="0"/>
-              <a:t>1.1APU</a:t>
-            </a:r>
-            <a:r>
-              <a:rPr lang="zh-CN" altLang="en-US" sz="1400" dirty="0" smtClean="0"/>
-              <a:t>系统组成</a:t>
-            </a:r>
-            <a:endParaRPr lang="zh-CN" altLang="en-US" sz="1400" dirty="0"/>
-          </a:p>
-        </p:txBody>
-      </p:sp>
-      <p:pic>
-        <p:nvPicPr>
-          <p:cNvPr id="1026" name="Picture 2" descr="E:\XY兴云新能源\XY企管-JQ\14GitHub\VAD01\01需求分析\docs\quickstart\images\Car_Sideview.png"/>
-          <p:cNvPicPr>
-            <a:picLocks noChangeAspect="1" noChangeArrowheads="1"/>
-          </p:cNvPicPr>
-          <p:nvPr/>
-        </p:nvPicPr>
-        <p:blipFill>
-          <a:blip r:embed="rId2" cstate="print">
-            <a:extLst>
-              <a:ext uri="{28A0092B-C50C-407E-A947-70E740481C1C}">
-                <a14:useLocalDpi xmlns:a14="http://schemas.microsoft.com/office/drawing/2010/main" val="0"/>
-              </a:ext>
-            </a:extLst>
-          </a:blip>
-          <a:srcRect/>
-          <a:stretch>
-            <a:fillRect/>
-          </a:stretch>
-        </p:blipFill>
-        <p:spPr bwMode="auto">
-          <a:xfrm>
-            <a:off x="3863977" y="670996"/>
-            <a:ext cx="5112568" cy="2192640"/>
-          </a:xfrm>
-          <a:prstGeom prst="rect">
-            <a:avLst/>
-          </a:prstGeom>
-          <a:noFill/>
-          <a:extLst>
-            <a:ext uri="{909E8E84-426E-40DD-AFC4-6F175D3DCCD1}">
-              <a14:hiddenFill xmlns:a14="http://schemas.microsoft.com/office/drawing/2010/main">
-                <a:solidFill>
-                  <a:srgbClr val="FFFFFF"/>
-                </a:solidFill>
-              </a14:hiddenFill>
-            </a:ext>
-          </a:extLst>
-        </p:spPr>
-      </p:pic>
-      <p:pic>
-        <p:nvPicPr>
-          <p:cNvPr id="2" name="Picture 2" descr="Apollo_2_0_Software_Arch"/>
-          <p:cNvPicPr>
-            <a:picLocks noChangeAspect="1" noChangeArrowheads="1"/>
-          </p:cNvPicPr>
-          <p:nvPr/>
-        </p:nvPicPr>
-        <p:blipFill>
-          <a:blip r:embed="rId3" cstate="print">
-            <a:extLst>
-              <a:ext uri="{28A0092B-C50C-407E-A947-70E740481C1C}">
-                <a14:useLocalDpi xmlns:a14="http://schemas.microsoft.com/office/drawing/2010/main" val="0"/>
-              </a:ext>
-            </a:extLst>
-          </a:blip>
-          <a:srcRect/>
-          <a:stretch>
-            <a:fillRect/>
-          </a:stretch>
-        </p:blipFill>
-        <p:spPr bwMode="auto">
-          <a:xfrm>
-            <a:off x="251520" y="930976"/>
-            <a:ext cx="3438525" cy="1933575"/>
-          </a:xfrm>
-          <a:prstGeom prst="rect">
-            <a:avLst/>
-          </a:prstGeom>
-          <a:noFill/>
-          <a:extLst>
-            <a:ext uri="{909E8E84-426E-40DD-AFC4-6F175D3DCCD1}">
-              <a14:hiddenFill xmlns:a14="http://schemas.microsoft.com/office/drawing/2010/main">
-                <a:solidFill>
-                  <a:srgbClr val="FFFFFF"/>
-                </a:solidFill>
-              </a14:hiddenFill>
-            </a:ext>
-          </a:extLst>
-        </p:spPr>
-      </p:pic>
-    </p:spTree>
-    <p:extLst>
-      <p:ext uri="{BB962C8B-B14F-4D97-AF65-F5344CB8AC3E}">
-        <p14:creationId xmlns:p14="http://schemas.microsoft.com/office/powerpoint/2010/main" val="1176523528"/>
-      </p:ext>
-    </p:extLst>
-  </p:cSld>
-  <p:clrMapOvr>
-    <a:masterClrMapping/>
-  </p:clrMapOvr>
-</p:sld>
-</file>
-
-<file path=ppt/slides/slide20.xml><?xml version="1.0" encoding="utf-8"?>
+<file path=ppt/slides/slide21.xml><?xml version="1.0" encoding="utf-8"?>
 <p:sld xmlns:a="http://schemas.openxmlformats.org/drawingml/2006/main" xmlns:r="http://schemas.openxmlformats.org/officeDocument/2006/relationships" xmlns:p="http://schemas.openxmlformats.org/presentationml/2006/main">
   <p:cSld>
     <p:spTree>
@@ -27343,7 +28678,7 @@
 </p:sld>
 </file>
 
-<file path=ppt/slides/slide21.xml><?xml version="1.0" encoding="utf-8"?>
+<file path=ppt/slides/slide22.xml><?xml version="1.0" encoding="utf-8"?>
 <p:sld xmlns:a="http://schemas.openxmlformats.org/drawingml/2006/main" xmlns:r="http://schemas.openxmlformats.org/officeDocument/2006/relationships" xmlns:p="http://schemas.openxmlformats.org/presentationml/2006/main">
   <p:cSld>
     <p:spTree>
@@ -35227,6 +36562,400 @@
           </a:p>
         </p:txBody>
       </p:sp>
+      <p:graphicFrame>
+        <p:nvGraphicFramePr>
+          <p:cNvPr id="10" name="内容占位符 9"/>
+          <p:cNvGraphicFramePr>
+            <a:graphicFrameLocks/>
+          </p:cNvGraphicFramePr>
+          <p:nvPr>
+            <p:extLst>
+              <p:ext uri="{D42A27DB-BD31-4B8C-83A1-F6EECF244321}">
+                <p14:modId xmlns:p14="http://schemas.microsoft.com/office/powerpoint/2010/main" val="3274229892"/>
+              </p:ext>
+            </p:extLst>
+          </p:nvPr>
+        </p:nvGraphicFramePr>
+        <p:xfrm>
+          <a:off x="1043608" y="1556792"/>
+          <a:ext cx="6840760" cy="3320533"/>
+        </p:xfrm>
+        <a:graphic>
+          <a:graphicData uri="http://schemas.openxmlformats.org/drawingml/2006/table">
+            <a:tbl>
+              <a:tblPr firstRow="1" bandRow="1">
+                <a:tableStyleId>{5C22544A-7EE6-4342-B048-85BDC9FD1C3A}</a:tableStyleId>
+              </a:tblPr>
+              <a:tblGrid>
+                <a:gridCol w="384689"/>
+                <a:gridCol w="1580209"/>
+                <a:gridCol w="4875862"/>
+              </a:tblGrid>
+              <a:tr h="360040">
+                <a:tc>
+                  <a:txBody>
+                    <a:bodyPr/>
+                    <a:lstStyle/>
+                    <a:p>
+                      <a:pPr algn="ctr"/>
+                      <a:r>
+                        <a:rPr lang="en-US" altLang="zh-CN" sz="1000" dirty="0" smtClean="0"/>
+                        <a:t>No.</a:t>
+                      </a:r>
+                      <a:endParaRPr lang="zh-CN" altLang="en-US" sz="1000" dirty="0"/>
+                    </a:p>
+                  </a:txBody>
+                  <a:tcPr anchor="ctr"/>
+                </a:tc>
+                <a:tc>
+                  <a:txBody>
+                    <a:bodyPr/>
+                    <a:lstStyle/>
+                    <a:p>
+                      <a:pPr marL="0" marR="0" indent="0" algn="l" defTabSz="914400" rtl="0" eaLnBrk="1" fontAlgn="auto" latinLnBrk="0" hangingPunct="1">
+                        <a:lnSpc>
+                          <a:spcPct val="100000"/>
+                        </a:lnSpc>
+                        <a:spcBef>
+                          <a:spcPts val="0"/>
+                        </a:spcBef>
+                        <a:spcAft>
+                          <a:spcPts val="0"/>
+                        </a:spcAft>
+                        <a:buClrTx/>
+                        <a:buSzTx/>
+                        <a:buFontTx/>
+                        <a:buNone/>
+                        <a:tabLst/>
+                        <a:defRPr/>
+                      </a:pPr>
+                      <a:r>
+                        <a:rPr lang="en-US" altLang="zh-CN" sz="1000" dirty="0" smtClean="0"/>
+                        <a:t>Description</a:t>
+                      </a:r>
+                      <a:endParaRPr lang="zh-CN" altLang="en-US" sz="1000" dirty="0" smtClean="0"/>
+                    </a:p>
+                  </a:txBody>
+                  <a:tcPr anchor="ctr"/>
+                </a:tc>
+                <a:tc>
+                  <a:txBody>
+                    <a:bodyPr/>
+                    <a:lstStyle/>
+                    <a:p>
+                      <a:pPr algn="l"/>
+                      <a:r>
+                        <a:rPr lang="en-US" altLang="zh-CN" sz="1000" dirty="0" smtClean="0"/>
+                        <a:t>Value</a:t>
+                      </a:r>
+                      <a:endParaRPr lang="zh-CN" altLang="en-US" sz="1000" dirty="0"/>
+                    </a:p>
+                  </a:txBody>
+                  <a:tcPr anchor="ctr"/>
+                </a:tc>
+              </a:tr>
+              <a:tr h="734928">
+                <a:tc>
+                  <a:txBody>
+                    <a:bodyPr/>
+                    <a:lstStyle/>
+                    <a:p>
+                      <a:pPr marL="0" marR="0" indent="0" algn="ctr" defTabSz="914400" rtl="0" eaLnBrk="1" fontAlgn="auto" latinLnBrk="0" hangingPunct="1">
+                        <a:lnSpc>
+                          <a:spcPct val="100000"/>
+                        </a:lnSpc>
+                        <a:spcBef>
+                          <a:spcPts val="0"/>
+                        </a:spcBef>
+                        <a:spcAft>
+                          <a:spcPts val="0"/>
+                        </a:spcAft>
+                        <a:buClrTx/>
+                        <a:buSzTx/>
+                        <a:buFontTx/>
+                        <a:buNone/>
+                        <a:tabLst/>
+                        <a:defRPr/>
+                      </a:pPr>
+                      <a:r>
+                        <a:rPr lang="en-US" altLang="zh-CN" sz="900" kern="1200" dirty="0" smtClean="0">
+                          <a:solidFill>
+                            <a:schemeClr val="dk1"/>
+                          </a:solidFill>
+                          <a:latin typeface="+mn-lt"/>
+                          <a:ea typeface="+mn-ea"/>
+                          <a:cs typeface="+mn-cs"/>
+                        </a:rPr>
+                        <a:t>1</a:t>
+                      </a:r>
+                      <a:endParaRPr lang="zh-CN" altLang="en-US" sz="900" kern="1200" dirty="0" smtClean="0">
+                        <a:solidFill>
+                          <a:schemeClr val="dk1"/>
+                        </a:solidFill>
+                        <a:latin typeface="+mn-lt"/>
+                        <a:ea typeface="+mn-ea"/>
+                        <a:cs typeface="+mn-cs"/>
+                      </a:endParaRPr>
+                    </a:p>
+                  </a:txBody>
+                  <a:tcPr anchor="ctr"/>
+                </a:tc>
+                <a:tc>
+                  <a:txBody>
+                    <a:bodyPr/>
+                    <a:lstStyle/>
+                    <a:p>
+                      <a:pPr algn="l"/>
+                      <a:endParaRPr lang="zh-CN" altLang="en-US" sz="900" dirty="0"/>
+                    </a:p>
+                  </a:txBody>
+                  <a:tcPr anchor="ctr"/>
+                </a:tc>
+                <a:tc>
+                  <a:txBody>
+                    <a:bodyPr/>
+                    <a:lstStyle/>
+                    <a:p>
+                      <a:pPr marL="0" marR="0" indent="0" algn="l" defTabSz="914400" rtl="0" eaLnBrk="1" fontAlgn="auto" latinLnBrk="0" hangingPunct="1">
+                        <a:lnSpc>
+                          <a:spcPct val="100000"/>
+                        </a:lnSpc>
+                        <a:spcBef>
+                          <a:spcPts val="0"/>
+                        </a:spcBef>
+                        <a:spcAft>
+                          <a:spcPts val="0"/>
+                        </a:spcAft>
+                        <a:buClrTx/>
+                        <a:buSzTx/>
+                        <a:buFontTx/>
+                        <a:buNone/>
+                        <a:tabLst/>
+                        <a:defRPr/>
+                      </a:pPr>
+                      <a:endParaRPr lang="zh-CN" altLang="en-US" sz="900" dirty="0" smtClean="0"/>
+                    </a:p>
+                  </a:txBody>
+                  <a:tcPr anchor="ctr"/>
+                </a:tc>
+              </a:tr>
+              <a:tr h="734928">
+                <a:tc>
+                  <a:txBody>
+                    <a:bodyPr/>
+                    <a:lstStyle/>
+                    <a:p>
+                      <a:pPr marL="0" marR="0" indent="0" algn="ctr" defTabSz="914400" rtl="0" eaLnBrk="1" fontAlgn="auto" latinLnBrk="0" hangingPunct="1">
+                        <a:lnSpc>
+                          <a:spcPct val="100000"/>
+                        </a:lnSpc>
+                        <a:spcBef>
+                          <a:spcPts val="0"/>
+                        </a:spcBef>
+                        <a:spcAft>
+                          <a:spcPts val="0"/>
+                        </a:spcAft>
+                        <a:buClrTx/>
+                        <a:buSzTx/>
+                        <a:buFontTx/>
+                        <a:buNone/>
+                        <a:tabLst/>
+                        <a:defRPr/>
+                      </a:pPr>
+                      <a:r>
+                        <a:rPr lang="en-US" altLang="zh-CN" sz="900" dirty="0" smtClean="0"/>
+                        <a:t>2</a:t>
+                      </a:r>
+                      <a:endParaRPr lang="zh-CN" altLang="en-US" sz="900" dirty="0" smtClean="0"/>
+                    </a:p>
+                  </a:txBody>
+                  <a:tcPr anchor="ctr"/>
+                </a:tc>
+                <a:tc>
+                  <a:txBody>
+                    <a:bodyPr/>
+                    <a:lstStyle/>
+                    <a:p>
+                      <a:pPr algn="l"/>
+                      <a:endParaRPr lang="zh-CN" altLang="en-US" sz="900" dirty="0"/>
+                    </a:p>
+                  </a:txBody>
+                  <a:tcPr anchor="ctr"/>
+                </a:tc>
+                <a:tc>
+                  <a:txBody>
+                    <a:bodyPr/>
+                    <a:lstStyle/>
+                    <a:p>
+                      <a:pPr marL="0" marR="0" indent="0" algn="l" defTabSz="914400" rtl="0" eaLnBrk="1" fontAlgn="auto" latinLnBrk="0" hangingPunct="1">
+                        <a:lnSpc>
+                          <a:spcPct val="100000"/>
+                        </a:lnSpc>
+                        <a:spcBef>
+                          <a:spcPts val="0"/>
+                        </a:spcBef>
+                        <a:spcAft>
+                          <a:spcPts val="0"/>
+                        </a:spcAft>
+                        <a:buClrTx/>
+                        <a:buSzTx/>
+                        <a:buFontTx/>
+                        <a:buNone/>
+                        <a:tabLst/>
+                        <a:defRPr/>
+                      </a:pPr>
+                      <a:endParaRPr lang="zh-CN" altLang="en-US" sz="900" dirty="0" smtClean="0"/>
+                    </a:p>
+                  </a:txBody>
+                  <a:tcPr anchor="ctr"/>
+                </a:tc>
+              </a:tr>
+              <a:tr h="755709">
+                <a:tc>
+                  <a:txBody>
+                    <a:bodyPr/>
+                    <a:lstStyle/>
+                    <a:p>
+                      <a:pPr marL="0" marR="0" indent="0" algn="ctr" defTabSz="914400" rtl="0" eaLnBrk="1" fontAlgn="auto" latinLnBrk="0" hangingPunct="1">
+                        <a:lnSpc>
+                          <a:spcPct val="100000"/>
+                        </a:lnSpc>
+                        <a:spcBef>
+                          <a:spcPts val="0"/>
+                        </a:spcBef>
+                        <a:spcAft>
+                          <a:spcPts val="0"/>
+                        </a:spcAft>
+                        <a:buClrTx/>
+                        <a:buSzTx/>
+                        <a:buFontTx/>
+                        <a:buNone/>
+                        <a:tabLst/>
+                        <a:defRPr/>
+                      </a:pPr>
+                      <a:r>
+                        <a:rPr lang="en-US" altLang="zh-CN" sz="900" dirty="0" smtClean="0"/>
+                        <a:t>3</a:t>
+                      </a:r>
+                      <a:endParaRPr lang="zh-CN" altLang="en-US" sz="900" dirty="0" smtClean="0"/>
+                    </a:p>
+                  </a:txBody>
+                  <a:tcPr anchor="ctr"/>
+                </a:tc>
+                <a:tc>
+                  <a:txBody>
+                    <a:bodyPr/>
+                    <a:lstStyle/>
+                    <a:p>
+                      <a:pPr algn="l"/>
+                      <a:endParaRPr lang="zh-CN" altLang="en-US" sz="900" dirty="0"/>
+                    </a:p>
+                  </a:txBody>
+                  <a:tcPr anchor="ctr"/>
+                </a:tc>
+                <a:tc>
+                  <a:txBody>
+                    <a:bodyPr/>
+                    <a:lstStyle/>
+                    <a:p>
+                      <a:pPr marL="0" marR="0" indent="0" algn="l" defTabSz="914400" rtl="0" eaLnBrk="1" fontAlgn="auto" latinLnBrk="0" hangingPunct="1">
+                        <a:lnSpc>
+                          <a:spcPct val="100000"/>
+                        </a:lnSpc>
+                        <a:spcBef>
+                          <a:spcPts val="0"/>
+                        </a:spcBef>
+                        <a:spcAft>
+                          <a:spcPts val="0"/>
+                        </a:spcAft>
+                        <a:buClrTx/>
+                        <a:buSzTx/>
+                        <a:buFontTx/>
+                        <a:buNone/>
+                        <a:tabLst/>
+                        <a:defRPr/>
+                      </a:pPr>
+                      <a:endParaRPr lang="zh-CN" altLang="en-US" sz="900" dirty="0" smtClean="0"/>
+                    </a:p>
+                  </a:txBody>
+                  <a:tcPr anchor="ctr"/>
+                </a:tc>
+              </a:tr>
+              <a:tr h="734928">
+                <a:tc>
+                  <a:txBody>
+                    <a:bodyPr/>
+                    <a:lstStyle/>
+                    <a:p>
+                      <a:pPr marL="0" marR="0" indent="0" algn="ctr" defTabSz="914400" rtl="0" eaLnBrk="1" fontAlgn="auto" latinLnBrk="0" hangingPunct="1">
+                        <a:lnSpc>
+                          <a:spcPct val="100000"/>
+                        </a:lnSpc>
+                        <a:spcBef>
+                          <a:spcPts val="0"/>
+                        </a:spcBef>
+                        <a:spcAft>
+                          <a:spcPts val="0"/>
+                        </a:spcAft>
+                        <a:buClrTx/>
+                        <a:buSzTx/>
+                        <a:buFontTx/>
+                        <a:buNone/>
+                        <a:tabLst/>
+                        <a:defRPr/>
+                      </a:pPr>
+                      <a:r>
+                        <a:rPr lang="en-US" altLang="zh-CN" sz="900" dirty="0" smtClean="0"/>
+                        <a:t>4</a:t>
+                      </a:r>
+                      <a:endParaRPr lang="zh-CN" altLang="en-US" sz="900" dirty="0" smtClean="0"/>
+                    </a:p>
+                  </a:txBody>
+                  <a:tcPr anchor="ctr"/>
+                </a:tc>
+                <a:tc>
+                  <a:txBody>
+                    <a:bodyPr/>
+                    <a:lstStyle/>
+                    <a:p>
+                      <a:pPr algn="l"/>
+                      <a:endParaRPr lang="zh-CN" altLang="en-US" sz="900" dirty="0"/>
+                    </a:p>
+                  </a:txBody>
+                  <a:tcPr anchor="ctr"/>
+                </a:tc>
+                <a:tc>
+                  <a:txBody>
+                    <a:bodyPr/>
+                    <a:lstStyle/>
+                    <a:p>
+                      <a:pPr marL="0" marR="0" indent="0" algn="l" defTabSz="914400" rtl="0" eaLnBrk="1" fontAlgn="auto" latinLnBrk="0" hangingPunct="1">
+                        <a:lnSpc>
+                          <a:spcPct val="100000"/>
+                        </a:lnSpc>
+                        <a:spcBef>
+                          <a:spcPts val="0"/>
+                        </a:spcBef>
+                        <a:spcAft>
+                          <a:spcPts val="0"/>
+                        </a:spcAft>
+                        <a:buClrTx/>
+                        <a:buSzTx/>
+                        <a:buFontTx/>
+                        <a:buNone/>
+                        <a:tabLst/>
+                        <a:defRPr/>
+                      </a:pPr>
+                      <a:endParaRPr lang="zh-CN" altLang="en-US" sz="900" dirty="0" smtClean="0"/>
+                    </a:p>
+                  </a:txBody>
+                  <a:tcPr anchor="ctr"/>
+                </a:tc>
+              </a:tr>
+            </a:tbl>
+          </a:graphicData>
+        </a:graphic>
+      </p:graphicFrame>
     </p:spTree>
     <p:extLst>
       <p:ext uri="{BB962C8B-B14F-4D97-AF65-F5344CB8AC3E}">
@@ -39111,7 +40840,6 @@
                         <a:rPr lang="zh-CN" altLang="en-US" sz="900" dirty="0" smtClean="0"/>
                         <a:t>定位和惯性定位，通过串口连接</a:t>
                       </a:r>
-                      <a:endParaRPr lang="zh-CN" altLang="en-US" sz="900" dirty="0" smtClean="0"/>
                     </a:p>
                   </a:txBody>
                   <a:tcPr anchor="ctr"/>
@@ -39287,7 +41015,6 @@
                         <a:rPr lang="zh-CN" altLang="en-US" sz="900" dirty="0" smtClean="0"/>
                         <a:t>进行测距和物体识别，通过以太网连接</a:t>
                       </a:r>
-                      <a:endParaRPr lang="zh-CN" altLang="en-US" sz="900" dirty="0" smtClean="0"/>
                     </a:p>
                   </a:txBody>
                   <a:tcPr anchor="ctr"/>
@@ -39468,7 +41195,6 @@
                         <a:rPr lang="zh-CN" altLang="en-US" sz="900" dirty="0" smtClean="0"/>
                         <a:t>连接</a:t>
                       </a:r>
-                      <a:endParaRPr lang="zh-CN" altLang="en-US" sz="900" dirty="0" smtClean="0"/>
                     </a:p>
                   </a:txBody>
                   <a:tcPr anchor="ctr"/>
@@ -39631,7 +41357,6 @@
                         <a:rPr lang="zh-CN" altLang="en-US" sz="900" dirty="0" smtClean="0"/>
                         <a:t>卡连接</a:t>
                       </a:r>
-                      <a:endParaRPr lang="zh-CN" altLang="en-US" sz="900" dirty="0" smtClean="0"/>
                     </a:p>
                   </a:txBody>
                   <a:tcPr anchor="ctr"/>
@@ -39779,7 +41504,6 @@
                         <a:rPr lang="zh-CN" altLang="en-US" sz="900" dirty="0" smtClean="0"/>
                         <a:t>用于车辆周边障碍物探测，</a:t>
                       </a:r>
-                      <a:endParaRPr lang="zh-CN" altLang="en-US" sz="900" dirty="0" smtClean="0"/>
                     </a:p>
                   </a:txBody>
                   <a:tcPr anchor="ctr"/>
@@ -39998,7 +41722,6 @@
                         <a:rPr lang="zh-CN" altLang="en-US" sz="900" dirty="0" smtClean="0"/>
                         <a:t>车辆小脑，自动驾驶时，进行图像处理、图像数据和点云数据运算处理，数据融合，根据车道规划和车辆当前状态，输出转向、加速和制动控制信号；非自动驾驶时，提供行车引导、提示、预警。</a:t>
                       </a:r>
-                      <a:endParaRPr lang="zh-CN" altLang="en-US" sz="900" dirty="0" smtClean="0"/>
                     </a:p>
                   </a:txBody>
                   <a:tcPr anchor="ctr"/>
@@ -40162,7 +41885,6 @@
                         <a:rPr lang="zh-CN" altLang="en-US" sz="900" dirty="0" smtClean="0"/>
                         <a:t>系统；非自动驾驶时，进行车辆管理。</a:t>
                       </a:r>
-                      <a:endParaRPr lang="zh-CN" altLang="en-US" sz="900" dirty="0" smtClean="0"/>
                     </a:p>
                   </a:txBody>
                   <a:tcPr anchor="ctr"/>
@@ -40401,7 +42123,6 @@
                         <a:rPr lang="zh-CN" altLang="en-US" sz="900" dirty="0" smtClean="0"/>
                         <a:t>发出的自动驾驶、行车引导、提示、预警信息并以视频、图片和提示音的形式发送给驾驶员</a:t>
                       </a:r>
-                      <a:endParaRPr lang="zh-CN" altLang="en-US" sz="900" dirty="0" smtClean="0"/>
                     </a:p>
                   </a:txBody>
                   <a:tcPr anchor="ctr"/>
@@ -40525,7 +42246,6 @@
                         <a:rPr lang="zh-CN" altLang="en-US" sz="900" dirty="0" smtClean="0"/>
                         <a:t>，用于车辆当前状态判定、行驶轨迹计算、车道规划。</a:t>
                       </a:r>
-                      <a:endParaRPr lang="zh-CN" altLang="en-US" sz="900" dirty="0" smtClean="0"/>
                     </a:p>
                   </a:txBody>
                   <a:tcPr anchor="ctr"/>
@@ -40629,7 +42349,6 @@
                         <a:rPr lang="zh-CN" altLang="en-US" sz="900" dirty="0" smtClean="0"/>
                         <a:t>手自一体驻车，其中停车后自动驻车，检测到左转向灯并且有油门信号时，自动释放，有提示；具备低速时的动态驻车，即低速时制动</a:t>
                       </a:r>
-                      <a:endParaRPr lang="zh-CN" altLang="en-US" sz="900" dirty="0" smtClean="0"/>
                     </a:p>
                   </a:txBody>
                   <a:tcPr anchor="ctr"/>
@@ -40749,7 +42468,6 @@
                         <a:rPr lang="zh-CN" altLang="en-US" sz="900" dirty="0" smtClean="0"/>
                         <a:t>应用于行车制动时快速建压</a:t>
                       </a:r>
-                      <a:endParaRPr lang="zh-CN" altLang="en-US" sz="900" dirty="0" smtClean="0"/>
                     </a:p>
                   </a:txBody>
                   <a:tcPr anchor="ctr"/>
@@ -40885,7 +42603,6 @@
                         <a:rPr lang="zh-CN" altLang="en-US" sz="900" dirty="0" smtClean="0"/>
                         <a:t>方向盘角度传感器</a:t>
                       </a:r>
-                      <a:endParaRPr lang="zh-CN" altLang="en-US" sz="900" dirty="0" smtClean="0"/>
                     </a:p>
                   </a:txBody>
                   <a:tcPr anchor="ctr"/>
@@ -41005,7 +42722,6 @@
                         <a:rPr lang="zh-CN" altLang="en-US" sz="900" dirty="0" smtClean="0"/>
                         <a:t>提供车辆纵向方向信号、车辆纵向驱动控制</a:t>
                       </a:r>
-                      <a:endParaRPr lang="zh-CN" altLang="en-US" sz="900" dirty="0" smtClean="0"/>
                     </a:p>
                   </a:txBody>
                   <a:tcPr anchor="ctr"/>
@@ -41125,7 +42841,6 @@
                         <a:rPr lang="zh-CN" altLang="en-US" sz="900" dirty="0" smtClean="0"/>
                         <a:t>提供档位信号、转向灯信号、车外温度信号等</a:t>
                       </a:r>
-                      <a:endParaRPr lang="zh-CN" altLang="en-US" sz="900" dirty="0" smtClean="0"/>
                     </a:p>
                   </a:txBody>
                   <a:tcPr anchor="ctr"/>
@@ -41368,7 +43083,6 @@
                         <a:rPr lang="zh-CN" altLang="en-US" sz="900" dirty="0" smtClean="0"/>
                         <a:t>里</a:t>
                       </a:r>
-                      <a:endParaRPr lang="zh-CN" altLang="en-US" sz="900" dirty="0" smtClean="0"/>
                     </a:p>
                   </a:txBody>
                   <a:tcPr anchor="ctr"/>
@@ -42161,11 +43875,7 @@
             </a:r>
             <a:r>
               <a:rPr lang="zh-CN" altLang="en-US" sz="1400" dirty="0" smtClean="0"/>
-              <a:t>发出的</a:t>
-            </a:r>
-            <a:r>
-              <a:rPr lang="zh-CN" altLang="en-US" sz="1400" dirty="0" smtClean="0"/>
-              <a:t>加速度信号（定位、补偿计算车辆的位置信息）</a:t>
+              <a:t>发出的加速度信号（定位、补偿计算车辆的位置信息）</a:t>
             </a:r>
             <a:endParaRPr lang="zh-CN" altLang="en-US" sz="1400" dirty="0"/>
           </a:p>
@@ -44690,15 +46400,7 @@
             </a:r>
             <a:r>
               <a:rPr lang="zh-CN" altLang="en-US" sz="1400" dirty="0" smtClean="0"/>
-              <a:t>发出的</a:t>
-            </a:r>
-            <a:r>
-              <a:rPr lang="zh-CN" altLang="en-US" sz="1400" dirty="0" smtClean="0"/>
-              <a:t>控制信号</a:t>
-            </a:r>
-            <a:r>
-              <a:rPr lang="zh-CN" altLang="en-US" sz="1400" dirty="0" smtClean="0"/>
-              <a:t>、</a:t>
+              <a:t>发出的控制信号、</a:t>
             </a:r>
             <a:r>
               <a:rPr lang="en-US" altLang="zh-CN" sz="1400" dirty="0" smtClean="0"/>
@@ -44706,11 +46408,7 @@
             </a:r>
             <a:r>
               <a:rPr lang="zh-CN" altLang="en-US" sz="1400" dirty="0" smtClean="0"/>
-              <a:t>工作状态</a:t>
-            </a:r>
-            <a:r>
-              <a:rPr lang="zh-CN" altLang="en-US" sz="1400" dirty="0" smtClean="0"/>
-              <a:t>信号</a:t>
+              <a:t>工作状态信号</a:t>
             </a:r>
             <a:endParaRPr lang="zh-CN" altLang="en-US" sz="1400" dirty="0"/>
           </a:p>

--- a/01需求分析/docs/specs/00APU设计构想书-VAD01-20180126.pptx
+++ b/01需求分析/docs/specs/00APU设计构想书-VAD01-20180126.pptx
@@ -212,7 +212,7 @@
             <a:fld id="{3FC2EBE1-2D70-4089-BFB6-0162DA1C2B1E}" type="datetimeFigureOut">
               <a:rPr lang="zh-CN" altLang="en-US" smtClean="0"/>
               <a:pPr/>
-              <a:t>2018/3/9</a:t>
+              <a:t>2018/3/20</a:t>
             </a:fld>
             <a:endParaRPr lang="zh-CN" altLang="en-US"/>
           </a:p>
@@ -379,7 +379,7 @@
             <a:fld id="{C85464E2-75BB-4005-B759-130A14F71B02}" type="datetimeFigureOut">
               <a:rPr lang="zh-CN" altLang="en-US" smtClean="0"/>
               <a:pPr/>
-              <a:t>2018/3/9</a:t>
+              <a:t>2018/3/20</a:t>
             </a:fld>
             <a:endParaRPr lang="zh-CN" altLang="en-US"/>
           </a:p>
@@ -851,7 +851,7 @@
             <a:fld id="{3C8CAD73-1480-4762-BBE7-29E381459ECC}" type="datetimeFigureOut">
               <a:rPr lang="zh-CN" altLang="en-US" smtClean="0"/>
               <a:pPr/>
-              <a:t>2018/3/9</a:t>
+              <a:t>2018/3/20</a:t>
             </a:fld>
             <a:endParaRPr lang="zh-CN" altLang="en-US"/>
           </a:p>
@@ -1044,7 +1044,7 @@
             <a:fld id="{3C8CAD73-1480-4762-BBE7-29E381459ECC}" type="datetimeFigureOut">
               <a:rPr lang="zh-CN" altLang="en-US" smtClean="0"/>
               <a:pPr/>
-              <a:t>2018/3/9</a:t>
+              <a:t>2018/3/20</a:t>
             </a:fld>
             <a:endParaRPr lang="zh-CN" altLang="en-US"/>
           </a:p>
@@ -1275,7 +1275,7 @@
             <a:fld id="{3C8CAD73-1480-4762-BBE7-29E381459ECC}" type="datetimeFigureOut">
               <a:rPr lang="zh-CN" altLang="en-US" smtClean="0"/>
               <a:pPr/>
-              <a:t>2018/3/9</a:t>
+              <a:t>2018/3/20</a:t>
             </a:fld>
             <a:endParaRPr lang="zh-CN" altLang="en-US"/>
           </a:p>
@@ -34937,6 +34937,9 @@
           <a:solidFill>
             <a:srgbClr val="FFFF00"/>
           </a:solidFill>
+          <a:ln>
+            <a:prstDash val="sysDash"/>
+          </a:ln>
         </p:spPr>
         <p:style>
           <a:lnRef idx="2">
@@ -36997,6 +37000,9 @@
           <a:solidFill>
             <a:srgbClr val="FFFF00"/>
           </a:solidFill>
+          <a:ln>
+            <a:prstDash val="sysDash"/>
+          </a:ln>
         </p:spPr>
         <p:style>
           <a:lnRef idx="2">
